--- a/03-iterable/programming2_iterable.pptx
+++ b/03-iterable/programming2_iterable.pptx
@@ -5,7 +5,7 @@
     <p:sldMasterId id="2147483648" r:id="rId4"/>
   </p:sldMasterIdLst>
   <p:notesMasterIdLst>
-    <p:notesMasterId r:id="rId22"/>
+    <p:notesMasterId r:id="rId23"/>
   </p:notesMasterIdLst>
   <p:sldIdLst>
     <p:sldId id="263" r:id="rId5"/>
@@ -24,7 +24,8 @@
     <p:sldId id="310" r:id="rId18"/>
     <p:sldId id="311" r:id="rId19"/>
     <p:sldId id="312" r:id="rId20"/>
-    <p:sldId id="309" r:id="rId21"/>
+    <p:sldId id="313" r:id="rId21"/>
+    <p:sldId id="309" r:id="rId22"/>
   </p:sldIdLst>
   <p:sldSz cx="12192000" cy="6858000"/>
   <p:notesSz cx="6858000" cy="9144000"/>
@@ -223,7 +224,7 @@
           <a:p>
             <a:fld id="{E2A76BDB-6153-47CC-BA45-D51AE7AEEC4D}" type="datetimeFigureOut">
               <a:rPr lang="en-US" smtClean="0"/>
-              <a:t>1/16/2023</a:t>
+              <a:t>1/17/2023</a:t>
             </a:fld>
             <a:endParaRPr lang="en-US"/>
           </a:p>
@@ -1162,6 +1163,202 @@
 </p:notes>
 </file>
 
+<file path=ppt/notesSlides/notesSlide13.xml><?xml version="1.0" encoding="utf-8"?>
+<p:notes xmlns:a="http://schemas.openxmlformats.org/drawingml/2006/main" xmlns:r="http://schemas.openxmlformats.org/officeDocument/2006/relationships" xmlns:p="http://schemas.openxmlformats.org/presentationml/2006/main">
+  <p:cSld>
+    <p:spTree>
+      <p:nvGrpSpPr>
+        <p:cNvPr id="1" name=""/>
+        <p:cNvGrpSpPr/>
+        <p:nvPr/>
+      </p:nvGrpSpPr>
+      <p:grpSpPr>
+        <a:xfrm>
+          <a:off x="0" y="0"/>
+          <a:ext cx="0" cy="0"/>
+          <a:chOff x="0" y="0"/>
+          <a:chExt cx="0" cy="0"/>
+        </a:xfrm>
+      </p:grpSpPr>
+      <p:sp>
+        <p:nvSpPr>
+          <p:cNvPr id="2" name="Slide Image Placeholder 1"/>
+          <p:cNvSpPr>
+            <a:spLocks noGrp="1" noRot="1" noChangeAspect="1"/>
+          </p:cNvSpPr>
+          <p:nvPr>
+            <p:ph type="sldImg"/>
+          </p:nvPr>
+        </p:nvSpPr>
+        <p:spPr/>
+      </p:sp>
+      <p:sp>
+        <p:nvSpPr>
+          <p:cNvPr id="3" name="Notes Placeholder 2"/>
+          <p:cNvSpPr>
+            <a:spLocks noGrp="1"/>
+          </p:cNvSpPr>
+          <p:nvPr>
+            <p:ph type="body" idx="1"/>
+          </p:nvPr>
+        </p:nvSpPr>
+        <p:spPr/>
+        <p:txBody>
+          <a:bodyPr/>
+          <a:lstStyle/>
+          <a:p>
+            <a:r>
+              <a:rPr lang="nl-BE"/>
+              <a:t>Small </a:t>
+            </a:r>
+            <a:r>
+              <a:rPr lang="nl-BE" err="1"/>
+              <a:t>exercise</a:t>
+            </a:r>
+            <a:r>
+              <a:rPr lang="nl-BE"/>
+              <a:t> </a:t>
+            </a:r>
+            <a:r>
+              <a:rPr lang="nl-BE" err="1"/>
+              <a:t>so</a:t>
+            </a:r>
+            <a:r>
+              <a:rPr lang="nl-BE"/>
+              <a:t> </a:t>
+            </a:r>
+            <a:r>
+              <a:rPr lang="nl-BE" err="1"/>
+              <a:t>that</a:t>
+            </a:r>
+            <a:r>
+              <a:rPr lang="nl-BE"/>
+              <a:t> </a:t>
+            </a:r>
+            <a:r>
+              <a:rPr lang="nl-BE" err="1"/>
+              <a:t>the</a:t>
+            </a:r>
+            <a:r>
+              <a:rPr lang="nl-BE"/>
+              <a:t> </a:t>
+            </a:r>
+            <a:r>
+              <a:rPr lang="nl-BE" err="1"/>
+              <a:t>students</a:t>
+            </a:r>
+            <a:r>
+              <a:rPr lang="nl-BE"/>
+              <a:t> </a:t>
+            </a:r>
+            <a:r>
+              <a:rPr lang="nl-BE" err="1"/>
+              <a:t>understand</a:t>
+            </a:r>
+            <a:r>
+              <a:rPr lang="nl-BE"/>
+              <a:t> </a:t>
+            </a:r>
+            <a:r>
+              <a:rPr lang="nl-BE" err="1"/>
+              <a:t>it</a:t>
+            </a:r>
+            <a:r>
+              <a:rPr lang="nl-BE"/>
+              <a:t> </a:t>
+            </a:r>
+            <a:r>
+              <a:rPr lang="nl-BE" err="1"/>
+              <a:t>better</a:t>
+            </a:r>
+            <a:r>
+              <a:rPr lang="nl-BE"/>
+              <a:t> </a:t>
+            </a:r>
+            <a:r>
+              <a:rPr lang="nl-BE" err="1"/>
+              <a:t>and</a:t>
+            </a:r>
+            <a:r>
+              <a:rPr lang="nl-BE"/>
+              <a:t> we </a:t>
+            </a:r>
+            <a:r>
+              <a:rPr lang="nl-BE" err="1"/>
+              <a:t>can</a:t>
+            </a:r>
+            <a:r>
+              <a:rPr lang="nl-BE"/>
+              <a:t> go </a:t>
+            </a:r>
+            <a:r>
+              <a:rPr lang="nl-BE" err="1"/>
+              <a:t>further</a:t>
+            </a:r>
+            <a:r>
+              <a:rPr lang="nl-BE"/>
+              <a:t> </a:t>
+            </a:r>
+            <a:r>
+              <a:rPr lang="nl-BE" err="1"/>
+              <a:t>with</a:t>
+            </a:r>
+            <a:r>
+              <a:rPr lang="nl-BE"/>
+              <a:t> </a:t>
+            </a:r>
+            <a:r>
+              <a:rPr lang="nl-BE" err="1"/>
+              <a:t>the</a:t>
+            </a:r>
+            <a:r>
+              <a:rPr lang="nl-BE"/>
+              <a:t> </a:t>
+            </a:r>
+            <a:r>
+              <a:rPr lang="nl-BE" err="1"/>
+              <a:t>theory</a:t>
+            </a:r>
+            <a:endParaRPr lang="en-US"/>
+          </a:p>
+        </p:txBody>
+      </p:sp>
+      <p:sp>
+        <p:nvSpPr>
+          <p:cNvPr id="4" name="Slide Number Placeholder 3"/>
+          <p:cNvSpPr>
+            <a:spLocks noGrp="1"/>
+          </p:cNvSpPr>
+          <p:nvPr>
+            <p:ph type="sldNum" sz="quarter" idx="5"/>
+          </p:nvPr>
+        </p:nvSpPr>
+        <p:spPr/>
+        <p:txBody>
+          <a:bodyPr/>
+          <a:lstStyle/>
+          <a:p>
+            <a:fld id="{385D81E3-8A75-42F6-A177-7CFA6F5B4196}" type="slidenum">
+              <a:rPr lang="en-US" smtClean="0"/>
+              <a:t>17</a:t>
+            </a:fld>
+            <a:endParaRPr lang="en-US"/>
+          </a:p>
+        </p:txBody>
+      </p:sp>
+    </p:spTree>
+    <p:extLst>
+      <p:ext uri="{BB962C8B-B14F-4D97-AF65-F5344CB8AC3E}">
+        <p14:creationId xmlns:p14="http://schemas.microsoft.com/office/powerpoint/2010/main" val="2930577142"/>
+      </p:ext>
+    </p:extLst>
+  </p:cSld>
+  <p:clrMapOvr>
+    <a:masterClrMapping/>
+  </p:clrMapOvr>
+</p:notes>
+</file>
+
 <file path=ppt/notesSlides/notesSlide2.xml><?xml version="1.0" encoding="utf-8"?>
 <p:notes xmlns:a="http://schemas.openxmlformats.org/drawingml/2006/main" xmlns:r="http://schemas.openxmlformats.org/officeDocument/2006/relationships" xmlns:p="http://schemas.openxmlformats.org/presentationml/2006/main">
   <p:cSld>
@@ -3861,7 +4058,7 @@
           <a:p>
             <a:fld id="{1CD1815E-B49F-43FE-B280-CDF6682C3964}" type="datetimeFigureOut">
               <a:rPr lang="nl-BE" smtClean="0"/>
-              <a:t>16/01/2023</a:t>
+              <a:t>17/01/2023</a:t>
             </a:fld>
             <a:endParaRPr lang="nl-BE"/>
           </a:p>
@@ -4061,7 +4258,7 @@
           <a:p>
             <a:fld id="{1CD1815E-B49F-43FE-B280-CDF6682C3964}" type="datetimeFigureOut">
               <a:rPr lang="nl-BE" smtClean="0"/>
-              <a:t>16/01/2023</a:t>
+              <a:t>17/01/2023</a:t>
             </a:fld>
             <a:endParaRPr lang="nl-BE"/>
           </a:p>
@@ -4271,7 +4468,7 @@
           <a:p>
             <a:fld id="{1CD1815E-B49F-43FE-B280-CDF6682C3964}" type="datetimeFigureOut">
               <a:rPr lang="nl-BE" smtClean="0"/>
-              <a:t>16/01/2023</a:t>
+              <a:t>17/01/2023</a:t>
             </a:fld>
             <a:endParaRPr lang="nl-BE"/>
           </a:p>
@@ -4413,7 +4610,7 @@
           <a:p>
             <a:fld id="{1CD1815E-B49F-43FE-B280-CDF6682C3964}" type="datetimeFigureOut">
               <a:rPr lang="nl-BE" smtClean="0"/>
-              <a:t>16/01/2023</a:t>
+              <a:t>17/01/2023</a:t>
             </a:fld>
             <a:endParaRPr lang="nl-BE"/>
           </a:p>
@@ -4613,7 +4810,7 @@
           <a:p>
             <a:fld id="{1CD1815E-B49F-43FE-B280-CDF6682C3964}" type="datetimeFigureOut">
               <a:rPr lang="nl-BE" smtClean="0"/>
-              <a:t>16/01/2023</a:t>
+              <a:t>17/01/2023</a:t>
             </a:fld>
             <a:endParaRPr lang="nl-BE"/>
           </a:p>
@@ -4889,7 +5086,7 @@
           <a:p>
             <a:fld id="{1CD1815E-B49F-43FE-B280-CDF6682C3964}" type="datetimeFigureOut">
               <a:rPr lang="nl-BE" smtClean="0"/>
-              <a:t>16/01/2023</a:t>
+              <a:t>17/01/2023</a:t>
             </a:fld>
             <a:endParaRPr lang="nl-BE"/>
           </a:p>
@@ -5157,7 +5354,7 @@
           <a:p>
             <a:fld id="{1CD1815E-B49F-43FE-B280-CDF6682C3964}" type="datetimeFigureOut">
               <a:rPr lang="nl-BE" smtClean="0"/>
-              <a:t>16/01/2023</a:t>
+              <a:t>17/01/2023</a:t>
             </a:fld>
             <a:endParaRPr lang="nl-BE"/>
           </a:p>
@@ -5572,7 +5769,7 @@
           <a:p>
             <a:fld id="{1CD1815E-B49F-43FE-B280-CDF6682C3964}" type="datetimeFigureOut">
               <a:rPr lang="nl-BE" smtClean="0"/>
-              <a:t>16/01/2023</a:t>
+              <a:t>17/01/2023</a:t>
             </a:fld>
             <a:endParaRPr lang="nl-BE"/>
           </a:p>
@@ -5714,7 +5911,7 @@
           <a:p>
             <a:fld id="{1CD1815E-B49F-43FE-B280-CDF6682C3964}" type="datetimeFigureOut">
               <a:rPr lang="nl-BE" smtClean="0"/>
-              <a:t>16/01/2023</a:t>
+              <a:t>17/01/2023</a:t>
             </a:fld>
             <a:endParaRPr lang="nl-BE"/>
           </a:p>
@@ -5827,7 +6024,7 @@
           <a:p>
             <a:fld id="{1CD1815E-B49F-43FE-B280-CDF6682C3964}" type="datetimeFigureOut">
               <a:rPr lang="nl-BE" smtClean="0"/>
-              <a:t>16/01/2023</a:t>
+              <a:t>17/01/2023</a:t>
             </a:fld>
             <a:endParaRPr lang="nl-BE"/>
           </a:p>
@@ -6140,7 +6337,7 @@
           <a:p>
             <a:fld id="{1CD1815E-B49F-43FE-B280-CDF6682C3964}" type="datetimeFigureOut">
               <a:rPr lang="nl-BE" smtClean="0"/>
-              <a:t>16/01/2023</a:t>
+              <a:t>17/01/2023</a:t>
             </a:fld>
             <a:endParaRPr lang="nl-BE"/>
           </a:p>
@@ -6383,7 +6580,7 @@
           <a:p>
             <a:fld id="{1CD1815E-B49F-43FE-B280-CDF6682C3964}" type="datetimeFigureOut">
               <a:rPr lang="nl-BE" smtClean="0"/>
-              <a:t>16/01/2023</a:t>
+              <a:t>17/01/2023</a:t>
             </a:fld>
             <a:endParaRPr lang="nl-BE"/>
           </a:p>
@@ -6853,18 +7050,10 @@
           <a:lstStyle/>
           <a:p>
             <a:r>
-              <a:rPr lang="nl-BE" err="1"/>
-              <a:t>Dictionaries</a:t>
-            </a:r>
-            <a:r>
-              <a:rPr lang="nl-BE"/>
-              <a:t> &amp; </a:t>
-            </a:r>
-            <a:r>
-              <a:rPr lang="nl-BE" err="1"/>
-              <a:t>lists</a:t>
-            </a:r>
-            <a:endParaRPr lang="nl-BE"/>
+              <a:rPr lang="nl-BE" dirty="0" err="1"/>
+              <a:t>Iterable</a:t>
+            </a:r>
+            <a:endParaRPr lang="nl-BE" dirty="0"/>
           </a:p>
         </p:txBody>
       </p:sp>
@@ -7272,7 +7461,7 @@
           </a:ln>
           <a:extLst>
             <a:ext uri="{C572A759-6A51-4108-AA02-DFA0A04FC94B}">
-              <ma14:wrappingTextBoxFlag xmlns="" xmlns:ma14="http://schemas.microsoft.com/office/mac/drawingml/2011/main" val="1"/>
+              <ma14:wrappingTextBoxFlag xmlns:ma14="http://schemas.microsoft.com/office/mac/drawingml/2011/main" xmlns="" val="1"/>
             </a:ext>
           </a:extLst>
         </p:spPr>
@@ -7962,7 +8151,7 @@
           </a:ln>
           <a:extLst>
             <a:ext uri="{C572A759-6A51-4108-AA02-DFA0A04FC94B}">
-              <ma14:wrappingTextBoxFlag xmlns="" xmlns:ma14="http://schemas.microsoft.com/office/mac/drawingml/2011/main" val="1"/>
+              <ma14:wrappingTextBoxFlag xmlns:ma14="http://schemas.microsoft.com/office/mac/drawingml/2011/main" xmlns="" val="1"/>
             </a:ext>
           </a:extLst>
         </p:spPr>
@@ -8308,7 +8497,7 @@
           </a:ln>
           <a:extLst>
             <a:ext uri="{C572A759-6A51-4108-AA02-DFA0A04FC94B}">
-              <ma14:wrappingTextBoxFlag xmlns="" xmlns:ma14="http://schemas.microsoft.com/office/mac/drawingml/2011/main" val="1"/>
+              <ma14:wrappingTextBoxFlag xmlns:ma14="http://schemas.microsoft.com/office/mac/drawingml/2011/main" xmlns="" val="1"/>
             </a:ext>
           </a:extLst>
         </p:spPr>
@@ -8972,7 +9161,7 @@
           </a:ln>
           <a:extLst>
             <a:ext uri="{C572A759-6A51-4108-AA02-DFA0A04FC94B}">
-              <ma14:wrappingTextBoxFlag xmlns="" xmlns:ma14="http://schemas.microsoft.com/office/mac/drawingml/2011/main" val="1"/>
+              <ma14:wrappingTextBoxFlag xmlns:ma14="http://schemas.microsoft.com/office/mac/drawingml/2011/main" xmlns="" val="1"/>
             </a:ext>
           </a:extLst>
         </p:spPr>
@@ -9857,7 +10046,7 @@
           </a:ln>
           <a:extLst>
             <a:ext uri="{C572A759-6A51-4108-AA02-DFA0A04FC94B}">
-              <ma14:wrappingTextBoxFlag xmlns="" xmlns:ma14="http://schemas.microsoft.com/office/mac/drawingml/2011/main" val="1"/>
+              <ma14:wrappingTextBoxFlag xmlns:ma14="http://schemas.microsoft.com/office/mac/drawingml/2011/main" xmlns="" val="1"/>
             </a:ext>
           </a:extLst>
         </p:spPr>
@@ -10667,7 +10856,7 @@
           </a:ln>
           <a:extLst>
             <a:ext uri="{C572A759-6A51-4108-AA02-DFA0A04FC94B}">
-              <ma14:wrappingTextBoxFlag xmlns="" xmlns:ma14="http://schemas.microsoft.com/office/mac/drawingml/2011/main" val="1"/>
+              <ma14:wrappingTextBoxFlag xmlns:ma14="http://schemas.microsoft.com/office/mac/drawingml/2011/main" xmlns="" val="1"/>
             </a:ext>
           </a:extLst>
         </p:spPr>
@@ -11005,7 +11194,7 @@
           </a:ln>
           <a:extLst>
             <a:ext uri="{C572A759-6A51-4108-AA02-DFA0A04FC94B}">
-              <ma14:wrappingTextBoxFlag xmlns="" xmlns:ma14="http://schemas.microsoft.com/office/mac/drawingml/2011/main" val="1"/>
+              <ma14:wrappingTextBoxFlag xmlns:ma14="http://schemas.microsoft.com/office/mac/drawingml/2011/main" xmlns="" val="1"/>
             </a:ext>
           </a:extLst>
         </p:spPr>
@@ -11780,7 +11969,7 @@
           </a:ln>
           <a:extLst>
             <a:ext uri="{C572A759-6A51-4108-AA02-DFA0A04FC94B}">
-              <ma14:wrappingTextBoxFlag xmlns="" xmlns:ma14="http://schemas.microsoft.com/office/mac/drawingml/2011/main" val="1"/>
+              <ma14:wrappingTextBoxFlag xmlns:ma14="http://schemas.microsoft.com/office/mac/drawingml/2011/main" xmlns="" val="1"/>
             </a:ext>
           </a:extLst>
         </p:spPr>
@@ -14314,7 +14503,7 @@
           </a:ln>
           <a:extLst>
             <a:ext uri="{C572A759-6A51-4108-AA02-DFA0A04FC94B}">
-              <ma14:wrappingTextBoxFlag xmlns="" xmlns:ma14="http://schemas.microsoft.com/office/mac/drawingml/2011/main" val="1"/>
+              <ma14:wrappingTextBoxFlag xmlns:ma14="http://schemas.microsoft.com/office/mac/drawingml/2011/main" xmlns="" val="1"/>
             </a:ext>
           </a:extLst>
         </p:spPr>
@@ -15450,7 +15639,7 @@
           </a:ln>
           <a:extLst>
             <a:ext uri="{C572A759-6A51-4108-AA02-DFA0A04FC94B}">
-              <ma14:wrappingTextBoxFlag xmlns="" xmlns:ma14="http://schemas.microsoft.com/office/mac/drawingml/2011/main" val="1"/>
+              <ma14:wrappingTextBoxFlag xmlns:ma14="http://schemas.microsoft.com/office/mac/drawingml/2011/main" xmlns="" val="1"/>
             </a:ext>
           </a:extLst>
         </p:spPr>
@@ -16705,6 +16894,75 @@
               <a:t>.</a:t>
             </a:r>
           </a:p>
+          <a:p>
+            <a:pPr marL="457200" lvl="1" indent="0">
+              <a:buNone/>
+            </a:pPr>
+            <a:endParaRPr lang="en-US" dirty="0"/>
+          </a:p>
+          <a:p>
+            <a:pPr marL="457200" lvl="1" indent="0">
+              <a:buNone/>
+            </a:pPr>
+            <a:endParaRPr lang="en-US" dirty="0"/>
+          </a:p>
+          <a:p>
+            <a:pPr marL="457200" lvl="1" indent="0">
+              <a:buNone/>
+            </a:pPr>
+            <a:endParaRPr lang="en-US" dirty="0"/>
+          </a:p>
+          <a:p>
+            <a:pPr marL="457200" lvl="1" indent="0">
+              <a:buNone/>
+            </a:pPr>
+            <a:endParaRPr lang="en-US" dirty="0"/>
+          </a:p>
+          <a:p>
+            <a:pPr marL="457200" lvl="1" indent="0">
+              <a:buNone/>
+            </a:pPr>
+            <a:endParaRPr lang="en-US" dirty="0"/>
+          </a:p>
+          <a:p>
+            <a:pPr marL="457200" lvl="1" indent="0">
+              <a:buNone/>
+            </a:pPr>
+            <a:endParaRPr lang="en-US" dirty="0"/>
+          </a:p>
+          <a:p>
+            <a:pPr marL="457200" lvl="1" indent="0">
+              <a:buNone/>
+            </a:pPr>
+            <a:r>
+              <a:rPr lang="en-US" dirty="0"/>
+              <a:t>In this example, </a:t>
+            </a:r>
+            <a:r>
+              <a:rPr lang="en-US" b="1" i="1" dirty="0"/>
+              <a:t>`zip()`</a:t>
+            </a:r>
+            <a:r>
+              <a:rPr lang="en-US" dirty="0"/>
+              <a:t> is being used to combine the </a:t>
+            </a:r>
+            <a:r>
+              <a:rPr lang="en-US" b="1" dirty="0"/>
+              <a:t>names</a:t>
+            </a:r>
+            <a:r>
+              <a:rPr lang="en-US" dirty="0"/>
+              <a:t> and </a:t>
+            </a:r>
+            <a:r>
+              <a:rPr lang="en-US" b="1" dirty="0"/>
+              <a:t>ages</a:t>
+            </a:r>
+            <a:r>
+              <a:rPr lang="en-US" dirty="0"/>
+              <a:t> lists into a single list of tuples. Each tuple contains the corresponding name and age from the two lists.</a:t>
+            </a:r>
+          </a:p>
         </p:txBody>
       </p:sp>
       <p:sp>
@@ -16723,8 +16981,8 @@
         </p:nvSpPr>
         <p:spPr>
           <a:xfrm>
-            <a:off x="838200" y="3842240"/>
-            <a:ext cx="9081555" cy="2670692"/>
+            <a:off x="838200" y="3232640"/>
+            <a:ext cx="9081555" cy="1745760"/>
           </a:xfrm>
           <a:prstGeom prst="rect">
             <a:avLst/>
@@ -16737,7 +16995,7 @@
           </a:ln>
           <a:extLst>
             <a:ext uri="{C572A759-6A51-4108-AA02-DFA0A04FC94B}">
-              <ma14:wrappingTextBoxFlag xmlns="" xmlns:ma14="http://schemas.microsoft.com/office/mac/drawingml/2011/main" val="1"/>
+              <ma14:wrappingTextBoxFlag xmlns:ma14="http://schemas.microsoft.com/office/mac/drawingml/2011/main" xmlns="" val="1"/>
             </a:ext>
           </a:extLst>
         </p:spPr>
@@ -17387,24 +17645,12 @@
           <a:lstStyle/>
           <a:p>
             <a:r>
+              <a:rPr lang="nl-BE" b="1" dirty="0"/>
+              <a:t>Zip </a:t>
+            </a:r>
+            <a:r>
               <a:rPr lang="nl-BE" b="1" dirty="0" err="1"/>
-              <a:t>Repetition</a:t>
-            </a:r>
-            <a:r>
-              <a:rPr lang="nl-BE" b="1" dirty="0"/>
-              <a:t> of </a:t>
-            </a:r>
-            <a:r>
-              <a:rPr lang="nl-BE" b="1" dirty="0" err="1"/>
-              <a:t>this</a:t>
-            </a:r>
-            <a:r>
-              <a:rPr lang="nl-BE" b="1" dirty="0"/>
-              <a:t> </a:t>
-            </a:r>
-            <a:r>
-              <a:rPr lang="nl-BE" b="1" dirty="0" err="1"/>
-              <a:t>lesson</a:t>
+              <a:t>method</a:t>
             </a:r>
             <a:endParaRPr lang="en-US" b="1" dirty="0"/>
           </a:p>
@@ -17602,6 +17848,1626 @@
             </a:lvl9pPr>
           </a:lstStyle>
           <a:p>
+            <a:endParaRPr lang="nl-BE"/>
+          </a:p>
+        </p:txBody>
+      </p:sp>
+      <p:sp>
+        <p:nvSpPr>
+          <p:cNvPr id="6" name="Text Placeholder 2">
+            <a:extLst>
+              <a:ext uri="{FF2B5EF4-FFF2-40B4-BE49-F238E27FC236}">
+                <a16:creationId xmlns:a16="http://schemas.microsoft.com/office/drawing/2014/main" id="{E9712E0A-F845-4FDC-9545-35166028D1F9}"/>
+              </a:ext>
+            </a:extLst>
+          </p:cNvPr>
+          <p:cNvSpPr txBox="1">
+            <a:spLocks/>
+          </p:cNvSpPr>
+          <p:nvPr/>
+        </p:nvSpPr>
+        <p:spPr>
+          <a:xfrm>
+            <a:off x="312506" y="1680414"/>
+            <a:ext cx="10849099" cy="5042649"/>
+          </a:xfrm>
+          <a:prstGeom prst="rect">
+            <a:avLst/>
+          </a:prstGeom>
+        </p:spPr>
+        <p:txBody>
+          <a:bodyPr>
+            <a:normAutofit/>
+          </a:bodyPr>
+          <a:lstStyle>
+            <a:lvl1pPr marL="228600" indent="-228600" algn="l" defTabSz="914400" rtl="0" eaLnBrk="1" latinLnBrk="0" hangingPunct="1">
+              <a:lnSpc>
+                <a:spcPct val="90000"/>
+              </a:lnSpc>
+              <a:spcBef>
+                <a:spcPts val="1000"/>
+              </a:spcBef>
+              <a:buFont typeface="Arial" panose="020B0604020202020204" pitchFamily="34" charset="0"/>
+              <a:buChar char="•"/>
+              <a:defRPr sz="2800" kern="1200">
+                <a:solidFill>
+                  <a:schemeClr val="tx1"/>
+                </a:solidFill>
+                <a:latin typeface="+mn-lt"/>
+                <a:ea typeface="+mn-ea"/>
+                <a:cs typeface="+mn-cs"/>
+              </a:defRPr>
+            </a:lvl1pPr>
+            <a:lvl2pPr marL="685800" indent="-228600" algn="l" defTabSz="914400" rtl="0" eaLnBrk="1" latinLnBrk="0" hangingPunct="1">
+              <a:lnSpc>
+                <a:spcPct val="90000"/>
+              </a:lnSpc>
+              <a:spcBef>
+                <a:spcPts val="500"/>
+              </a:spcBef>
+              <a:buFont typeface="Arial" panose="020B0604020202020204" pitchFamily="34" charset="0"/>
+              <a:buChar char="•"/>
+              <a:defRPr sz="2400" kern="1200">
+                <a:solidFill>
+                  <a:schemeClr val="tx1"/>
+                </a:solidFill>
+                <a:latin typeface="+mn-lt"/>
+                <a:ea typeface="+mn-ea"/>
+                <a:cs typeface="+mn-cs"/>
+              </a:defRPr>
+            </a:lvl2pPr>
+            <a:lvl3pPr marL="1143000" indent="-228600" algn="l" defTabSz="914400" rtl="0" eaLnBrk="1" latinLnBrk="0" hangingPunct="1">
+              <a:lnSpc>
+                <a:spcPct val="90000"/>
+              </a:lnSpc>
+              <a:spcBef>
+                <a:spcPts val="500"/>
+              </a:spcBef>
+              <a:buFont typeface="Arial" panose="020B0604020202020204" pitchFamily="34" charset="0"/>
+              <a:buChar char="•"/>
+              <a:defRPr sz="2000" kern="1200">
+                <a:solidFill>
+                  <a:schemeClr val="tx1"/>
+                </a:solidFill>
+                <a:latin typeface="+mn-lt"/>
+                <a:ea typeface="+mn-ea"/>
+                <a:cs typeface="+mn-cs"/>
+              </a:defRPr>
+            </a:lvl3pPr>
+            <a:lvl4pPr marL="1600200" indent="-228600" algn="l" defTabSz="914400" rtl="0" eaLnBrk="1" latinLnBrk="0" hangingPunct="1">
+              <a:lnSpc>
+                <a:spcPct val="90000"/>
+              </a:lnSpc>
+              <a:spcBef>
+                <a:spcPts val="500"/>
+              </a:spcBef>
+              <a:buFont typeface="Arial" panose="020B0604020202020204" pitchFamily="34" charset="0"/>
+              <a:buChar char="•"/>
+              <a:defRPr sz="1800" kern="1200">
+                <a:solidFill>
+                  <a:schemeClr val="tx1"/>
+                </a:solidFill>
+                <a:latin typeface="+mn-lt"/>
+                <a:ea typeface="+mn-ea"/>
+                <a:cs typeface="+mn-cs"/>
+              </a:defRPr>
+            </a:lvl4pPr>
+            <a:lvl5pPr marL="2057400" indent="-228600" algn="l" defTabSz="914400" rtl="0" eaLnBrk="1" latinLnBrk="0" hangingPunct="1">
+              <a:lnSpc>
+                <a:spcPct val="90000"/>
+              </a:lnSpc>
+              <a:spcBef>
+                <a:spcPts val="500"/>
+              </a:spcBef>
+              <a:buFont typeface="Arial" panose="020B0604020202020204" pitchFamily="34" charset="0"/>
+              <a:buChar char="•"/>
+              <a:defRPr sz="1800" kern="1200">
+                <a:solidFill>
+                  <a:schemeClr val="tx1"/>
+                </a:solidFill>
+                <a:latin typeface="+mn-lt"/>
+                <a:ea typeface="+mn-ea"/>
+                <a:cs typeface="+mn-cs"/>
+              </a:defRPr>
+            </a:lvl5pPr>
+            <a:lvl6pPr marL="2514600" indent="-228600" algn="l" defTabSz="914400" rtl="0" eaLnBrk="1" latinLnBrk="0" hangingPunct="1">
+              <a:lnSpc>
+                <a:spcPct val="90000"/>
+              </a:lnSpc>
+              <a:spcBef>
+                <a:spcPts val="500"/>
+              </a:spcBef>
+              <a:buFont typeface="Arial" panose="020B0604020202020204" pitchFamily="34" charset="0"/>
+              <a:buChar char="•"/>
+              <a:defRPr sz="1800" kern="1200">
+                <a:solidFill>
+                  <a:schemeClr val="tx1"/>
+                </a:solidFill>
+                <a:latin typeface="+mn-lt"/>
+                <a:ea typeface="+mn-ea"/>
+                <a:cs typeface="+mn-cs"/>
+              </a:defRPr>
+            </a:lvl6pPr>
+            <a:lvl7pPr marL="2971800" indent="-228600" algn="l" defTabSz="914400" rtl="0" eaLnBrk="1" latinLnBrk="0" hangingPunct="1">
+              <a:lnSpc>
+                <a:spcPct val="90000"/>
+              </a:lnSpc>
+              <a:spcBef>
+                <a:spcPts val="500"/>
+              </a:spcBef>
+              <a:buFont typeface="Arial" panose="020B0604020202020204" pitchFamily="34" charset="0"/>
+              <a:buChar char="•"/>
+              <a:defRPr sz="1800" kern="1200">
+                <a:solidFill>
+                  <a:schemeClr val="tx1"/>
+                </a:solidFill>
+                <a:latin typeface="+mn-lt"/>
+                <a:ea typeface="+mn-ea"/>
+                <a:cs typeface="+mn-cs"/>
+              </a:defRPr>
+            </a:lvl7pPr>
+            <a:lvl8pPr marL="3429000" indent="-228600" algn="l" defTabSz="914400" rtl="0" eaLnBrk="1" latinLnBrk="0" hangingPunct="1">
+              <a:lnSpc>
+                <a:spcPct val="90000"/>
+              </a:lnSpc>
+              <a:spcBef>
+                <a:spcPts val="500"/>
+              </a:spcBef>
+              <a:buFont typeface="Arial" panose="020B0604020202020204" pitchFamily="34" charset="0"/>
+              <a:buChar char="•"/>
+              <a:defRPr sz="1800" kern="1200">
+                <a:solidFill>
+                  <a:schemeClr val="tx1"/>
+                </a:solidFill>
+                <a:latin typeface="+mn-lt"/>
+                <a:ea typeface="+mn-ea"/>
+                <a:cs typeface="+mn-cs"/>
+              </a:defRPr>
+            </a:lvl8pPr>
+            <a:lvl9pPr marL="3886200" indent="-228600" algn="l" defTabSz="914400" rtl="0" eaLnBrk="1" latinLnBrk="0" hangingPunct="1">
+              <a:lnSpc>
+                <a:spcPct val="90000"/>
+              </a:lnSpc>
+              <a:spcBef>
+                <a:spcPts val="500"/>
+              </a:spcBef>
+              <a:buFont typeface="Arial" panose="020B0604020202020204" pitchFamily="34" charset="0"/>
+              <a:buChar char="•"/>
+              <a:defRPr sz="1800" kern="1200">
+                <a:solidFill>
+                  <a:schemeClr val="tx1"/>
+                </a:solidFill>
+                <a:latin typeface="+mn-lt"/>
+                <a:ea typeface="+mn-ea"/>
+                <a:cs typeface="+mn-cs"/>
+              </a:defRPr>
+            </a:lvl9pPr>
+          </a:lstStyle>
+          <a:p>
+            <a:pPr marL="457200" lvl="1" indent="0">
+              <a:buNone/>
+            </a:pPr>
+            <a:r>
+              <a:rPr lang="en-US" sz="2000" dirty="0"/>
+              <a:t>You can also use the zip() function with more than two </a:t>
+            </a:r>
+            <a:r>
+              <a:rPr lang="en-US" sz="2000" dirty="0" err="1"/>
+              <a:t>iterables</a:t>
+            </a:r>
+            <a:r>
+              <a:rPr lang="en-US" sz="2000" dirty="0"/>
+              <a:t>:</a:t>
+            </a:r>
+          </a:p>
+          <a:p>
+            <a:pPr marL="457200" lvl="1" indent="0">
+              <a:buNone/>
+            </a:pPr>
+            <a:endParaRPr lang="en-US" sz="2000" dirty="0"/>
+          </a:p>
+          <a:p>
+            <a:pPr marL="457200" lvl="1" indent="0">
+              <a:buNone/>
+            </a:pPr>
+            <a:endParaRPr lang="en-US" sz="2000" dirty="0"/>
+          </a:p>
+          <a:p>
+            <a:pPr marL="457200" lvl="1" indent="0">
+              <a:buNone/>
+            </a:pPr>
+            <a:endParaRPr lang="en-US" sz="2000" dirty="0"/>
+          </a:p>
+          <a:p>
+            <a:pPr marL="457200" lvl="1" indent="0">
+              <a:buNone/>
+            </a:pPr>
+            <a:endParaRPr lang="en-US" sz="2000" dirty="0"/>
+          </a:p>
+          <a:p>
+            <a:pPr marL="457200" lvl="1" indent="0">
+              <a:buNone/>
+            </a:pPr>
+            <a:endParaRPr lang="en-US" sz="2000" dirty="0"/>
+          </a:p>
+          <a:p>
+            <a:pPr marL="457200" lvl="1" indent="0">
+              <a:buNone/>
+            </a:pPr>
+            <a:endParaRPr lang="en-US" sz="2000" dirty="0"/>
+          </a:p>
+          <a:p>
+            <a:pPr marL="457200" lvl="1" indent="0">
+              <a:buNone/>
+            </a:pPr>
+            <a:endParaRPr lang="en-US" sz="2000" dirty="0"/>
+          </a:p>
+          <a:p>
+            <a:pPr marL="457200" lvl="1" indent="0">
+              <a:buNone/>
+            </a:pPr>
+            <a:endParaRPr lang="en-US" sz="2000" dirty="0"/>
+          </a:p>
+          <a:p>
+            <a:pPr marL="457200" lvl="1" indent="0">
+              <a:buNone/>
+            </a:pPr>
+            <a:r>
+              <a:rPr lang="en-US" sz="2000" b="1" dirty="0"/>
+              <a:t>You can also unzip the zipped </a:t>
+            </a:r>
+            <a:r>
+              <a:rPr lang="en-US" sz="2000" b="1" dirty="0" err="1"/>
+              <a:t>iterable</a:t>
+            </a:r>
+            <a:r>
+              <a:rPr lang="en-US" sz="2000" b="1" dirty="0"/>
+              <a:t> </a:t>
+            </a:r>
+            <a:r>
+              <a:rPr lang="en-US" sz="2000" dirty="0"/>
+              <a:t>using the zip() method again with the * operator,</a:t>
+            </a:r>
+          </a:p>
+        </p:txBody>
+      </p:sp>
+      <p:sp>
+        <p:nvSpPr>
+          <p:cNvPr id="5" name="Text Placeholder 2">
+            <a:extLst>
+              <a:ext uri="{FF2B5EF4-FFF2-40B4-BE49-F238E27FC236}">
+                <a16:creationId xmlns:a16="http://schemas.microsoft.com/office/drawing/2014/main" id="{CBED41EA-B0B4-4DD3-BA42-F91435E64DE4}"/>
+              </a:ext>
+            </a:extLst>
+          </p:cNvPr>
+          <p:cNvSpPr txBox="1">
+            <a:spLocks/>
+          </p:cNvSpPr>
+          <p:nvPr/>
+        </p:nvSpPr>
+        <p:spPr>
+          <a:xfrm>
+            <a:off x="838200" y="2268898"/>
+            <a:ext cx="9081555" cy="2091200"/>
+          </a:xfrm>
+          <a:prstGeom prst="rect">
+            <a:avLst/>
+          </a:prstGeom>
+          <a:ln w="12700">
+            <a:solidFill>
+              <a:schemeClr val="tx1"/>
+            </a:solidFill>
+            <a:miter lim="400000"/>
+          </a:ln>
+          <a:extLst>
+            <a:ext uri="{C572A759-6A51-4108-AA02-DFA0A04FC94B}">
+              <ma14:wrappingTextBoxFlag xmlns:ma14="http://schemas.microsoft.com/office/mac/drawingml/2011/main" xmlns="" val="1"/>
+            </a:ext>
+          </a:extLst>
+        </p:spPr>
+        <p:txBody>
+          <a:bodyPr lIns="45719" rIns="45719">
+            <a:normAutofit/>
+          </a:bodyPr>
+          <a:lstStyle>
+            <a:lvl1pPr marL="352425" marR="0" indent="-352425" algn="l" defTabSz="914400" rtl="0" latinLnBrk="0">
+              <a:lnSpc>
+                <a:spcPct val="90000"/>
+              </a:lnSpc>
+              <a:spcBef>
+                <a:spcPts val="1000"/>
+              </a:spcBef>
+              <a:spcAft>
+                <a:spcPts val="0"/>
+              </a:spcAft>
+              <a:buClr>
+                <a:srgbClr val="E00049"/>
+              </a:buClr>
+              <a:buSzPct val="100000"/>
+              <a:buFont typeface="Arial"/>
+              <a:buChar char="•"/>
+              <a:tabLst/>
+              <a:defRPr sz="2800" b="0" i="0" u="none" strike="noStrike" cap="none" spc="0" baseline="0">
+                <a:ln>
+                  <a:noFill/>
+                </a:ln>
+                <a:solidFill>
+                  <a:srgbClr val="002757"/>
+                </a:solidFill>
+                <a:uFillTx/>
+                <a:latin typeface="Tahoma"/>
+                <a:ea typeface="Tahoma"/>
+                <a:cs typeface="Tahoma"/>
+                <a:sym typeface="Tahoma"/>
+              </a:defRPr>
+            </a:lvl1pPr>
+            <a:lvl2pPr marL="857250" marR="0" indent="-400050" algn="l" defTabSz="914400" rtl="0" latinLnBrk="0">
+              <a:lnSpc>
+                <a:spcPct val="90000"/>
+              </a:lnSpc>
+              <a:spcBef>
+                <a:spcPts val="1000"/>
+              </a:spcBef>
+              <a:spcAft>
+                <a:spcPts val="0"/>
+              </a:spcAft>
+              <a:buClr>
+                <a:srgbClr val="E00049"/>
+              </a:buClr>
+              <a:buSzPct val="100000"/>
+              <a:buFont typeface="Arial"/>
+              <a:buChar char="▪"/>
+              <a:tabLst/>
+              <a:defRPr sz="2800" b="0" i="0" u="none" strike="noStrike" cap="none" spc="0" baseline="0">
+                <a:ln>
+                  <a:noFill/>
+                </a:ln>
+                <a:solidFill>
+                  <a:srgbClr val="002757"/>
+                </a:solidFill>
+                <a:uFillTx/>
+                <a:latin typeface="Tahoma"/>
+                <a:ea typeface="Tahoma"/>
+                <a:cs typeface="Tahoma"/>
+                <a:sym typeface="Tahoma"/>
+              </a:defRPr>
+            </a:lvl2pPr>
+            <a:lvl3pPr marL="1234439" marR="0" indent="-320039" algn="l" defTabSz="914400" rtl="0" latinLnBrk="0">
+              <a:lnSpc>
+                <a:spcPct val="90000"/>
+              </a:lnSpc>
+              <a:spcBef>
+                <a:spcPts val="1000"/>
+              </a:spcBef>
+              <a:spcAft>
+                <a:spcPts val="0"/>
+              </a:spcAft>
+              <a:buClr>
+                <a:srgbClr val="E00049"/>
+              </a:buClr>
+              <a:buSzPct val="100000"/>
+              <a:buFont typeface="Arial"/>
+              <a:buChar char="•"/>
+              <a:tabLst/>
+              <a:defRPr sz="2800" b="0" i="0" u="none" strike="noStrike" cap="none" spc="0" baseline="0">
+                <a:ln>
+                  <a:noFill/>
+                </a:ln>
+                <a:solidFill>
+                  <a:srgbClr val="002757"/>
+                </a:solidFill>
+                <a:uFillTx/>
+                <a:latin typeface="Tahoma"/>
+                <a:ea typeface="Tahoma"/>
+                <a:cs typeface="Tahoma"/>
+                <a:sym typeface="Tahoma"/>
+              </a:defRPr>
+            </a:lvl3pPr>
+            <a:lvl4pPr marL="1727200" marR="0" indent="-355600" algn="l" defTabSz="914400" rtl="0" latinLnBrk="0">
+              <a:lnSpc>
+                <a:spcPct val="90000"/>
+              </a:lnSpc>
+              <a:spcBef>
+                <a:spcPts val="1000"/>
+              </a:spcBef>
+              <a:spcAft>
+                <a:spcPts val="0"/>
+              </a:spcAft>
+              <a:buClr>
+                <a:srgbClr val="E00049"/>
+              </a:buClr>
+              <a:buSzPct val="100000"/>
+              <a:buFont typeface="Arial"/>
+              <a:buChar char="•"/>
+              <a:tabLst/>
+              <a:defRPr sz="2800" b="0" i="0" u="none" strike="noStrike" cap="none" spc="0" baseline="0">
+                <a:ln>
+                  <a:noFill/>
+                </a:ln>
+                <a:solidFill>
+                  <a:srgbClr val="002757"/>
+                </a:solidFill>
+                <a:uFillTx/>
+                <a:latin typeface="Tahoma"/>
+                <a:ea typeface="Tahoma"/>
+                <a:cs typeface="Tahoma"/>
+                <a:sym typeface="Tahoma"/>
+              </a:defRPr>
+            </a:lvl4pPr>
+            <a:lvl5pPr marL="2184400" marR="0" indent="-355600" algn="l" defTabSz="914400" rtl="0" latinLnBrk="0">
+              <a:lnSpc>
+                <a:spcPct val="90000"/>
+              </a:lnSpc>
+              <a:spcBef>
+                <a:spcPts val="1000"/>
+              </a:spcBef>
+              <a:spcAft>
+                <a:spcPts val="0"/>
+              </a:spcAft>
+              <a:buClr>
+                <a:srgbClr val="E00049"/>
+              </a:buClr>
+              <a:buSzPct val="100000"/>
+              <a:buFont typeface="Arial"/>
+              <a:buChar char="•"/>
+              <a:tabLst/>
+              <a:defRPr sz="2800" b="0" i="0" u="none" strike="noStrike" cap="none" spc="0" baseline="0">
+                <a:ln>
+                  <a:noFill/>
+                </a:ln>
+                <a:solidFill>
+                  <a:srgbClr val="002757"/>
+                </a:solidFill>
+                <a:uFillTx/>
+                <a:latin typeface="Tahoma"/>
+                <a:ea typeface="Tahoma"/>
+                <a:cs typeface="Tahoma"/>
+                <a:sym typeface="Tahoma"/>
+              </a:defRPr>
+            </a:lvl5pPr>
+            <a:lvl6pPr marL="2641600" marR="0" indent="-355600" algn="l" defTabSz="914400" rtl="0" latinLnBrk="0">
+              <a:lnSpc>
+                <a:spcPct val="90000"/>
+              </a:lnSpc>
+              <a:spcBef>
+                <a:spcPts val="1000"/>
+              </a:spcBef>
+              <a:spcAft>
+                <a:spcPts val="0"/>
+              </a:spcAft>
+              <a:buClrTx/>
+              <a:buSzPct val="100000"/>
+              <a:buFont typeface="Arial"/>
+              <a:buChar char="•"/>
+              <a:tabLst/>
+              <a:defRPr sz="2800" b="0" i="0" u="none" strike="noStrike" cap="none" spc="0" baseline="0">
+                <a:ln>
+                  <a:noFill/>
+                </a:ln>
+                <a:solidFill>
+                  <a:srgbClr val="000000"/>
+                </a:solidFill>
+                <a:uFillTx/>
+                <a:latin typeface="Tahoma"/>
+                <a:ea typeface="Tahoma"/>
+                <a:cs typeface="Tahoma"/>
+                <a:sym typeface="Tahoma"/>
+              </a:defRPr>
+            </a:lvl6pPr>
+            <a:lvl7pPr marL="3098800" marR="0" indent="-355600" algn="l" defTabSz="914400" rtl="0" latinLnBrk="0">
+              <a:lnSpc>
+                <a:spcPct val="90000"/>
+              </a:lnSpc>
+              <a:spcBef>
+                <a:spcPts val="1000"/>
+              </a:spcBef>
+              <a:spcAft>
+                <a:spcPts val="0"/>
+              </a:spcAft>
+              <a:buClrTx/>
+              <a:buSzPct val="100000"/>
+              <a:buFont typeface="Arial"/>
+              <a:buChar char="•"/>
+              <a:tabLst/>
+              <a:defRPr sz="2800" b="0" i="0" u="none" strike="noStrike" cap="none" spc="0" baseline="0">
+                <a:ln>
+                  <a:noFill/>
+                </a:ln>
+                <a:solidFill>
+                  <a:srgbClr val="000000"/>
+                </a:solidFill>
+                <a:uFillTx/>
+                <a:latin typeface="Tahoma"/>
+                <a:ea typeface="Tahoma"/>
+                <a:cs typeface="Tahoma"/>
+                <a:sym typeface="Tahoma"/>
+              </a:defRPr>
+            </a:lvl7pPr>
+            <a:lvl8pPr marL="3556000" marR="0" indent="-355600" algn="l" defTabSz="914400" rtl="0" latinLnBrk="0">
+              <a:lnSpc>
+                <a:spcPct val="90000"/>
+              </a:lnSpc>
+              <a:spcBef>
+                <a:spcPts val="1000"/>
+              </a:spcBef>
+              <a:spcAft>
+                <a:spcPts val="0"/>
+              </a:spcAft>
+              <a:buClrTx/>
+              <a:buSzPct val="100000"/>
+              <a:buFont typeface="Arial"/>
+              <a:buChar char="•"/>
+              <a:tabLst/>
+              <a:defRPr sz="2800" b="0" i="0" u="none" strike="noStrike" cap="none" spc="0" baseline="0">
+                <a:ln>
+                  <a:noFill/>
+                </a:ln>
+                <a:solidFill>
+                  <a:srgbClr val="000000"/>
+                </a:solidFill>
+                <a:uFillTx/>
+                <a:latin typeface="Tahoma"/>
+                <a:ea typeface="Tahoma"/>
+                <a:cs typeface="Tahoma"/>
+                <a:sym typeface="Tahoma"/>
+              </a:defRPr>
+            </a:lvl8pPr>
+            <a:lvl9pPr marL="4013200" marR="0" indent="-355600" algn="l" defTabSz="914400" rtl="0" latinLnBrk="0">
+              <a:lnSpc>
+                <a:spcPct val="90000"/>
+              </a:lnSpc>
+              <a:spcBef>
+                <a:spcPts val="1000"/>
+              </a:spcBef>
+              <a:spcAft>
+                <a:spcPts val="0"/>
+              </a:spcAft>
+              <a:buClrTx/>
+              <a:buSzPct val="100000"/>
+              <a:buFont typeface="Arial"/>
+              <a:buChar char="•"/>
+              <a:tabLst/>
+              <a:defRPr sz="2800" b="0" i="0" u="none" strike="noStrike" cap="none" spc="0" baseline="0">
+                <a:ln>
+                  <a:noFill/>
+                </a:ln>
+                <a:solidFill>
+                  <a:srgbClr val="000000"/>
+                </a:solidFill>
+                <a:uFillTx/>
+                <a:latin typeface="Tahoma"/>
+                <a:ea typeface="Tahoma"/>
+                <a:cs typeface="Tahoma"/>
+                <a:sym typeface="Tahoma"/>
+              </a:defRPr>
+            </a:lvl9pPr>
+          </a:lstStyle>
+          <a:p>
+            <a:pPr marL="0" indent="0" hangingPunct="1">
+              <a:buNone/>
+            </a:pPr>
+            <a:r>
+              <a:rPr lang="en-US" sz="1500" dirty="0">
+                <a:solidFill>
+                  <a:schemeClr val="accent6"/>
+                </a:solidFill>
+                <a:latin typeface="Consolas" panose="020B0609020204030204" pitchFamily="49" charset="0"/>
+              </a:rPr>
+              <a:t># Using zip() to combine two lists</a:t>
+            </a:r>
+          </a:p>
+          <a:p>
+            <a:pPr marL="0" indent="0" hangingPunct="1">
+              <a:buNone/>
+            </a:pPr>
+            <a:r>
+              <a:rPr lang="en-US" sz="1500" dirty="0">
+                <a:solidFill>
+                  <a:schemeClr val="tx1"/>
+                </a:solidFill>
+                <a:latin typeface="Consolas" panose="020B0609020204030204" pitchFamily="49" charset="0"/>
+              </a:rPr>
+              <a:t>names = [</a:t>
+            </a:r>
+            <a:r>
+              <a:rPr lang="en-US" sz="1500" dirty="0">
+                <a:solidFill>
+                  <a:schemeClr val="accent2"/>
+                </a:solidFill>
+                <a:latin typeface="Consolas" panose="020B0609020204030204" pitchFamily="49" charset="0"/>
+              </a:rPr>
+              <a:t>'Alice'</a:t>
+            </a:r>
+            <a:r>
+              <a:rPr lang="en-US" sz="1500" dirty="0">
+                <a:solidFill>
+                  <a:schemeClr val="tx1"/>
+                </a:solidFill>
+                <a:latin typeface="Consolas" panose="020B0609020204030204" pitchFamily="49" charset="0"/>
+              </a:rPr>
+              <a:t>,</a:t>
+            </a:r>
+            <a:r>
+              <a:rPr lang="en-US" sz="1500" dirty="0">
+                <a:solidFill>
+                  <a:schemeClr val="accent2"/>
+                </a:solidFill>
+                <a:latin typeface="Consolas" panose="020B0609020204030204" pitchFamily="49" charset="0"/>
+              </a:rPr>
+              <a:t> 'Bob'</a:t>
+            </a:r>
+            <a:r>
+              <a:rPr lang="en-US" sz="1500" dirty="0">
+                <a:solidFill>
+                  <a:schemeClr val="accent1"/>
+                </a:solidFill>
+                <a:latin typeface="Consolas" panose="020B0609020204030204" pitchFamily="49" charset="0"/>
+              </a:rPr>
+              <a:t>, </a:t>
+            </a:r>
+            <a:r>
+              <a:rPr lang="en-US" sz="1500" dirty="0">
+                <a:solidFill>
+                  <a:schemeClr val="accent2"/>
+                </a:solidFill>
+                <a:latin typeface="Consolas" panose="020B0609020204030204" pitchFamily="49" charset="0"/>
+              </a:rPr>
+              <a:t>'Charlie'</a:t>
+            </a:r>
+            <a:r>
+              <a:rPr lang="en-US" sz="1500" dirty="0">
+                <a:solidFill>
+                  <a:schemeClr val="tx1"/>
+                </a:solidFill>
+                <a:latin typeface="Consolas" panose="020B0609020204030204" pitchFamily="49" charset="0"/>
+              </a:rPr>
+              <a:t>]</a:t>
+            </a:r>
+          </a:p>
+          <a:p>
+            <a:pPr marL="0" indent="0" hangingPunct="1">
+              <a:buNone/>
+            </a:pPr>
+            <a:r>
+              <a:rPr lang="en-US" sz="1500" dirty="0">
+                <a:solidFill>
+                  <a:schemeClr val="tx1"/>
+                </a:solidFill>
+                <a:latin typeface="Consolas" panose="020B0609020204030204" pitchFamily="49" charset="0"/>
+              </a:rPr>
+              <a:t>gender = [</a:t>
+            </a:r>
+            <a:r>
+              <a:rPr lang="en-US" sz="1500" dirty="0">
+                <a:solidFill>
+                  <a:schemeClr val="accent2"/>
+                </a:solidFill>
+                <a:latin typeface="Consolas" panose="020B0609020204030204" pitchFamily="49" charset="0"/>
+              </a:rPr>
+              <a:t>'F'</a:t>
+            </a:r>
+            <a:r>
+              <a:rPr lang="en-US" sz="1500" dirty="0">
+                <a:solidFill>
+                  <a:schemeClr val="tx1"/>
+                </a:solidFill>
+                <a:latin typeface="Consolas" panose="020B0609020204030204" pitchFamily="49" charset="0"/>
+              </a:rPr>
+              <a:t>, </a:t>
+            </a:r>
+            <a:r>
+              <a:rPr lang="en-US" sz="1500" dirty="0">
+                <a:solidFill>
+                  <a:schemeClr val="accent2"/>
+                </a:solidFill>
+                <a:latin typeface="Consolas" panose="020B0609020204030204" pitchFamily="49" charset="0"/>
+              </a:rPr>
+              <a:t>'M'</a:t>
+            </a:r>
+            <a:r>
+              <a:rPr lang="en-US" sz="1500" dirty="0">
+                <a:solidFill>
+                  <a:schemeClr val="tx1"/>
+                </a:solidFill>
+                <a:latin typeface="Consolas" panose="020B0609020204030204" pitchFamily="49" charset="0"/>
+              </a:rPr>
+              <a:t>, </a:t>
+            </a:r>
+            <a:r>
+              <a:rPr lang="en-US" sz="1500" dirty="0">
+                <a:solidFill>
+                  <a:schemeClr val="accent2"/>
+                </a:solidFill>
+                <a:latin typeface="Consolas" panose="020B0609020204030204" pitchFamily="49" charset="0"/>
+              </a:rPr>
+              <a:t>'M'</a:t>
+            </a:r>
+            <a:r>
+              <a:rPr lang="en-US" sz="1500" dirty="0">
+                <a:solidFill>
+                  <a:schemeClr val="tx1"/>
+                </a:solidFill>
+                <a:latin typeface="Consolas" panose="020B0609020204030204" pitchFamily="49" charset="0"/>
+              </a:rPr>
+              <a:t>]</a:t>
+            </a:r>
+          </a:p>
+          <a:p>
+            <a:pPr marL="0" indent="0" hangingPunct="1">
+              <a:buNone/>
+            </a:pPr>
+            <a:r>
+              <a:rPr lang="en-US" sz="1500" dirty="0">
+                <a:solidFill>
+                  <a:schemeClr val="tx1"/>
+                </a:solidFill>
+                <a:latin typeface="Consolas" panose="020B0609020204030204" pitchFamily="49" charset="0"/>
+              </a:rPr>
+              <a:t>ages = [</a:t>
+            </a:r>
+            <a:r>
+              <a:rPr lang="en-US" sz="1500" dirty="0">
+                <a:solidFill>
+                  <a:schemeClr val="accent6"/>
+                </a:solidFill>
+                <a:latin typeface="Consolas" panose="020B0609020204030204" pitchFamily="49" charset="0"/>
+              </a:rPr>
+              <a:t>22</a:t>
+            </a:r>
+            <a:r>
+              <a:rPr lang="en-US" sz="1500" dirty="0">
+                <a:solidFill>
+                  <a:schemeClr val="tx1"/>
+                </a:solidFill>
+                <a:latin typeface="Consolas" panose="020B0609020204030204" pitchFamily="49" charset="0"/>
+              </a:rPr>
+              <a:t>,</a:t>
+            </a:r>
+            <a:r>
+              <a:rPr lang="en-US" sz="1500" dirty="0">
+                <a:solidFill>
+                  <a:schemeClr val="accent1"/>
+                </a:solidFill>
+                <a:latin typeface="Consolas" panose="020B0609020204030204" pitchFamily="49" charset="0"/>
+              </a:rPr>
+              <a:t> </a:t>
+            </a:r>
+            <a:r>
+              <a:rPr lang="en-US" sz="1500" dirty="0">
+                <a:solidFill>
+                  <a:schemeClr val="accent6"/>
+                </a:solidFill>
+                <a:latin typeface="Consolas" panose="020B0609020204030204" pitchFamily="49" charset="0"/>
+              </a:rPr>
+              <a:t>20</a:t>
+            </a:r>
+            <a:r>
+              <a:rPr lang="en-US" sz="1500" dirty="0">
+                <a:solidFill>
+                  <a:schemeClr val="tx1"/>
+                </a:solidFill>
+                <a:latin typeface="Consolas" panose="020B0609020204030204" pitchFamily="49" charset="0"/>
+              </a:rPr>
+              <a:t>,</a:t>
+            </a:r>
+            <a:r>
+              <a:rPr lang="en-US" sz="1500" dirty="0">
+                <a:solidFill>
+                  <a:schemeClr val="accent1"/>
+                </a:solidFill>
+                <a:latin typeface="Consolas" panose="020B0609020204030204" pitchFamily="49" charset="0"/>
+              </a:rPr>
+              <a:t> </a:t>
+            </a:r>
+            <a:r>
+              <a:rPr lang="en-US" sz="1500" dirty="0">
+                <a:solidFill>
+                  <a:schemeClr val="accent6"/>
+                </a:solidFill>
+                <a:latin typeface="Consolas" panose="020B0609020204030204" pitchFamily="49" charset="0"/>
+              </a:rPr>
+              <a:t>21</a:t>
+            </a:r>
+            <a:r>
+              <a:rPr lang="en-US" sz="1500" dirty="0">
+                <a:solidFill>
+                  <a:schemeClr val="tx1"/>
+                </a:solidFill>
+                <a:latin typeface="Consolas" panose="020B0609020204030204" pitchFamily="49" charset="0"/>
+              </a:rPr>
+              <a:t>]</a:t>
+            </a:r>
+          </a:p>
+          <a:p>
+            <a:pPr marL="0" indent="0" hangingPunct="1">
+              <a:buNone/>
+            </a:pPr>
+            <a:r>
+              <a:rPr lang="en-US" sz="1500" dirty="0">
+                <a:solidFill>
+                  <a:schemeClr val="tx1"/>
+                </a:solidFill>
+                <a:latin typeface="Consolas" panose="020B0609020204030204" pitchFamily="49" charset="0"/>
+              </a:rPr>
+              <a:t>combined</a:t>
+            </a:r>
+            <a:r>
+              <a:rPr lang="en-US" sz="1500" dirty="0">
+                <a:solidFill>
+                  <a:schemeClr val="accent1"/>
+                </a:solidFill>
+                <a:latin typeface="Consolas" panose="020B0609020204030204" pitchFamily="49" charset="0"/>
+              </a:rPr>
+              <a:t> </a:t>
+            </a:r>
+            <a:r>
+              <a:rPr lang="en-US" sz="1500" dirty="0">
+                <a:solidFill>
+                  <a:schemeClr val="tx1"/>
+                </a:solidFill>
+                <a:latin typeface="Consolas" panose="020B0609020204030204" pitchFamily="49" charset="0"/>
+              </a:rPr>
+              <a:t>=</a:t>
+            </a:r>
+            <a:r>
+              <a:rPr lang="en-US" sz="1500" dirty="0">
+                <a:solidFill>
+                  <a:schemeClr val="accent1"/>
+                </a:solidFill>
+                <a:latin typeface="Consolas" panose="020B0609020204030204" pitchFamily="49" charset="0"/>
+              </a:rPr>
+              <a:t> </a:t>
+            </a:r>
+            <a:r>
+              <a:rPr lang="en-US" sz="1500" dirty="0">
+                <a:solidFill>
+                  <a:schemeClr val="accent6">
+                    <a:lumMod val="50000"/>
+                  </a:schemeClr>
+                </a:solidFill>
+                <a:latin typeface="Consolas" panose="020B0609020204030204" pitchFamily="49" charset="0"/>
+              </a:rPr>
+              <a:t>list</a:t>
+            </a:r>
+            <a:r>
+              <a:rPr lang="en-US" sz="1500" dirty="0">
+                <a:solidFill>
+                  <a:schemeClr val="accent1"/>
+                </a:solidFill>
+                <a:latin typeface="Consolas" panose="020B0609020204030204" pitchFamily="49" charset="0"/>
+              </a:rPr>
+              <a:t>(</a:t>
+            </a:r>
+            <a:r>
+              <a:rPr lang="en-US" sz="1500" dirty="0">
+                <a:solidFill>
+                  <a:schemeClr val="accent2"/>
+                </a:solidFill>
+                <a:latin typeface="Consolas" panose="020B0609020204030204" pitchFamily="49" charset="0"/>
+              </a:rPr>
+              <a:t>zip</a:t>
+            </a:r>
+            <a:r>
+              <a:rPr lang="en-US" sz="1500" dirty="0">
+                <a:solidFill>
+                  <a:schemeClr val="accent1"/>
+                </a:solidFill>
+                <a:latin typeface="Consolas" panose="020B0609020204030204" pitchFamily="49" charset="0"/>
+              </a:rPr>
+              <a:t>(</a:t>
+            </a:r>
+            <a:r>
+              <a:rPr lang="en-US" sz="1500" dirty="0">
+                <a:solidFill>
+                  <a:schemeClr val="tx1"/>
+                </a:solidFill>
+                <a:latin typeface="Consolas" panose="020B0609020204030204" pitchFamily="49" charset="0"/>
+              </a:rPr>
+              <a:t>names, ages, gender</a:t>
+            </a:r>
+            <a:r>
+              <a:rPr lang="en-US" sz="1500" dirty="0">
+                <a:solidFill>
+                  <a:schemeClr val="accent1"/>
+                </a:solidFill>
+                <a:latin typeface="Consolas" panose="020B0609020204030204" pitchFamily="49" charset="0"/>
+              </a:rPr>
+              <a:t>))</a:t>
+            </a:r>
+          </a:p>
+          <a:p>
+            <a:pPr marL="0" indent="0" hangingPunct="1">
+              <a:buNone/>
+            </a:pPr>
+            <a:r>
+              <a:rPr lang="en-US" sz="1500" dirty="0">
+                <a:solidFill>
+                  <a:schemeClr val="tx1"/>
+                </a:solidFill>
+                <a:latin typeface="Consolas" panose="020B0609020204030204" pitchFamily="49" charset="0"/>
+              </a:rPr>
+              <a:t>print</a:t>
+            </a:r>
+            <a:r>
+              <a:rPr lang="en-US" sz="1500" dirty="0">
+                <a:solidFill>
+                  <a:schemeClr val="accent1"/>
+                </a:solidFill>
+                <a:latin typeface="Consolas" panose="020B0609020204030204" pitchFamily="49" charset="0"/>
+              </a:rPr>
+              <a:t>(</a:t>
+            </a:r>
+            <a:r>
+              <a:rPr lang="en-US" sz="1500" dirty="0">
+                <a:solidFill>
+                  <a:schemeClr val="tx1"/>
+                </a:solidFill>
+                <a:latin typeface="Consolas" panose="020B0609020204030204" pitchFamily="49" charset="0"/>
+              </a:rPr>
+              <a:t>combined</a:t>
+            </a:r>
+            <a:r>
+              <a:rPr lang="en-US" sz="1500" dirty="0">
+                <a:solidFill>
+                  <a:schemeClr val="accent1"/>
+                </a:solidFill>
+                <a:latin typeface="Consolas" panose="020B0609020204030204" pitchFamily="49" charset="0"/>
+              </a:rPr>
+              <a:t>) </a:t>
+            </a:r>
+            <a:r>
+              <a:rPr lang="en-US" sz="1500" dirty="0">
+                <a:solidFill>
+                  <a:schemeClr val="accent6"/>
+                </a:solidFill>
+                <a:latin typeface="Consolas" panose="020B0609020204030204" pitchFamily="49" charset="0"/>
+              </a:rPr>
+              <a:t># prints [('Alice', 22, 'F'), ('Bob', 20, 'M'), ('Charlie', 21, 'M')]</a:t>
+            </a:r>
+          </a:p>
+        </p:txBody>
+      </p:sp>
+      <p:sp>
+        <p:nvSpPr>
+          <p:cNvPr id="7" name="Text Placeholder 2">
+            <a:extLst>
+              <a:ext uri="{FF2B5EF4-FFF2-40B4-BE49-F238E27FC236}">
+                <a16:creationId xmlns:a16="http://schemas.microsoft.com/office/drawing/2014/main" id="{0C7FD8E7-2B95-4407-902F-260BA3DB9AF2}"/>
+              </a:ext>
+            </a:extLst>
+          </p:cNvPr>
+          <p:cNvSpPr txBox="1">
+            <a:spLocks/>
+          </p:cNvSpPr>
+          <p:nvPr/>
+        </p:nvSpPr>
+        <p:spPr>
+          <a:xfrm>
+            <a:off x="838199" y="5213984"/>
+            <a:ext cx="9081555" cy="921342"/>
+          </a:xfrm>
+          <a:prstGeom prst="rect">
+            <a:avLst/>
+          </a:prstGeom>
+          <a:ln w="12700">
+            <a:solidFill>
+              <a:schemeClr val="tx1"/>
+            </a:solidFill>
+            <a:miter lim="400000"/>
+          </a:ln>
+          <a:extLst>
+            <a:ext uri="{C572A759-6A51-4108-AA02-DFA0A04FC94B}">
+              <ma14:wrappingTextBoxFlag xmlns:ma14="http://schemas.microsoft.com/office/mac/drawingml/2011/main" xmlns="" val="1"/>
+            </a:ext>
+          </a:extLst>
+        </p:spPr>
+        <p:txBody>
+          <a:bodyPr lIns="45719" rIns="45719">
+            <a:normAutofit/>
+          </a:bodyPr>
+          <a:lstStyle>
+            <a:lvl1pPr marL="352425" marR="0" indent="-352425" algn="l" defTabSz="914400" rtl="0" latinLnBrk="0">
+              <a:lnSpc>
+                <a:spcPct val="90000"/>
+              </a:lnSpc>
+              <a:spcBef>
+                <a:spcPts val="1000"/>
+              </a:spcBef>
+              <a:spcAft>
+                <a:spcPts val="0"/>
+              </a:spcAft>
+              <a:buClr>
+                <a:srgbClr val="E00049"/>
+              </a:buClr>
+              <a:buSzPct val="100000"/>
+              <a:buFont typeface="Arial"/>
+              <a:buChar char="•"/>
+              <a:tabLst/>
+              <a:defRPr sz="2800" b="0" i="0" u="none" strike="noStrike" cap="none" spc="0" baseline="0">
+                <a:ln>
+                  <a:noFill/>
+                </a:ln>
+                <a:solidFill>
+                  <a:srgbClr val="002757"/>
+                </a:solidFill>
+                <a:uFillTx/>
+                <a:latin typeface="Tahoma"/>
+                <a:ea typeface="Tahoma"/>
+                <a:cs typeface="Tahoma"/>
+                <a:sym typeface="Tahoma"/>
+              </a:defRPr>
+            </a:lvl1pPr>
+            <a:lvl2pPr marL="857250" marR="0" indent="-400050" algn="l" defTabSz="914400" rtl="0" latinLnBrk="0">
+              <a:lnSpc>
+                <a:spcPct val="90000"/>
+              </a:lnSpc>
+              <a:spcBef>
+                <a:spcPts val="1000"/>
+              </a:spcBef>
+              <a:spcAft>
+                <a:spcPts val="0"/>
+              </a:spcAft>
+              <a:buClr>
+                <a:srgbClr val="E00049"/>
+              </a:buClr>
+              <a:buSzPct val="100000"/>
+              <a:buFont typeface="Arial"/>
+              <a:buChar char="▪"/>
+              <a:tabLst/>
+              <a:defRPr sz="2800" b="0" i="0" u="none" strike="noStrike" cap="none" spc="0" baseline="0">
+                <a:ln>
+                  <a:noFill/>
+                </a:ln>
+                <a:solidFill>
+                  <a:srgbClr val="002757"/>
+                </a:solidFill>
+                <a:uFillTx/>
+                <a:latin typeface="Tahoma"/>
+                <a:ea typeface="Tahoma"/>
+                <a:cs typeface="Tahoma"/>
+                <a:sym typeface="Tahoma"/>
+              </a:defRPr>
+            </a:lvl2pPr>
+            <a:lvl3pPr marL="1234439" marR="0" indent="-320039" algn="l" defTabSz="914400" rtl="0" latinLnBrk="0">
+              <a:lnSpc>
+                <a:spcPct val="90000"/>
+              </a:lnSpc>
+              <a:spcBef>
+                <a:spcPts val="1000"/>
+              </a:spcBef>
+              <a:spcAft>
+                <a:spcPts val="0"/>
+              </a:spcAft>
+              <a:buClr>
+                <a:srgbClr val="E00049"/>
+              </a:buClr>
+              <a:buSzPct val="100000"/>
+              <a:buFont typeface="Arial"/>
+              <a:buChar char="•"/>
+              <a:tabLst/>
+              <a:defRPr sz="2800" b="0" i="0" u="none" strike="noStrike" cap="none" spc="0" baseline="0">
+                <a:ln>
+                  <a:noFill/>
+                </a:ln>
+                <a:solidFill>
+                  <a:srgbClr val="002757"/>
+                </a:solidFill>
+                <a:uFillTx/>
+                <a:latin typeface="Tahoma"/>
+                <a:ea typeface="Tahoma"/>
+                <a:cs typeface="Tahoma"/>
+                <a:sym typeface="Tahoma"/>
+              </a:defRPr>
+            </a:lvl3pPr>
+            <a:lvl4pPr marL="1727200" marR="0" indent="-355600" algn="l" defTabSz="914400" rtl="0" latinLnBrk="0">
+              <a:lnSpc>
+                <a:spcPct val="90000"/>
+              </a:lnSpc>
+              <a:spcBef>
+                <a:spcPts val="1000"/>
+              </a:spcBef>
+              <a:spcAft>
+                <a:spcPts val="0"/>
+              </a:spcAft>
+              <a:buClr>
+                <a:srgbClr val="E00049"/>
+              </a:buClr>
+              <a:buSzPct val="100000"/>
+              <a:buFont typeface="Arial"/>
+              <a:buChar char="•"/>
+              <a:tabLst/>
+              <a:defRPr sz="2800" b="0" i="0" u="none" strike="noStrike" cap="none" spc="0" baseline="0">
+                <a:ln>
+                  <a:noFill/>
+                </a:ln>
+                <a:solidFill>
+                  <a:srgbClr val="002757"/>
+                </a:solidFill>
+                <a:uFillTx/>
+                <a:latin typeface="Tahoma"/>
+                <a:ea typeface="Tahoma"/>
+                <a:cs typeface="Tahoma"/>
+                <a:sym typeface="Tahoma"/>
+              </a:defRPr>
+            </a:lvl4pPr>
+            <a:lvl5pPr marL="2184400" marR="0" indent="-355600" algn="l" defTabSz="914400" rtl="0" latinLnBrk="0">
+              <a:lnSpc>
+                <a:spcPct val="90000"/>
+              </a:lnSpc>
+              <a:spcBef>
+                <a:spcPts val="1000"/>
+              </a:spcBef>
+              <a:spcAft>
+                <a:spcPts val="0"/>
+              </a:spcAft>
+              <a:buClr>
+                <a:srgbClr val="E00049"/>
+              </a:buClr>
+              <a:buSzPct val="100000"/>
+              <a:buFont typeface="Arial"/>
+              <a:buChar char="•"/>
+              <a:tabLst/>
+              <a:defRPr sz="2800" b="0" i="0" u="none" strike="noStrike" cap="none" spc="0" baseline="0">
+                <a:ln>
+                  <a:noFill/>
+                </a:ln>
+                <a:solidFill>
+                  <a:srgbClr val="002757"/>
+                </a:solidFill>
+                <a:uFillTx/>
+                <a:latin typeface="Tahoma"/>
+                <a:ea typeface="Tahoma"/>
+                <a:cs typeface="Tahoma"/>
+                <a:sym typeface="Tahoma"/>
+              </a:defRPr>
+            </a:lvl5pPr>
+            <a:lvl6pPr marL="2641600" marR="0" indent="-355600" algn="l" defTabSz="914400" rtl="0" latinLnBrk="0">
+              <a:lnSpc>
+                <a:spcPct val="90000"/>
+              </a:lnSpc>
+              <a:spcBef>
+                <a:spcPts val="1000"/>
+              </a:spcBef>
+              <a:spcAft>
+                <a:spcPts val="0"/>
+              </a:spcAft>
+              <a:buClrTx/>
+              <a:buSzPct val="100000"/>
+              <a:buFont typeface="Arial"/>
+              <a:buChar char="•"/>
+              <a:tabLst/>
+              <a:defRPr sz="2800" b="0" i="0" u="none" strike="noStrike" cap="none" spc="0" baseline="0">
+                <a:ln>
+                  <a:noFill/>
+                </a:ln>
+                <a:solidFill>
+                  <a:srgbClr val="000000"/>
+                </a:solidFill>
+                <a:uFillTx/>
+                <a:latin typeface="Tahoma"/>
+                <a:ea typeface="Tahoma"/>
+                <a:cs typeface="Tahoma"/>
+                <a:sym typeface="Tahoma"/>
+              </a:defRPr>
+            </a:lvl6pPr>
+            <a:lvl7pPr marL="3098800" marR="0" indent="-355600" algn="l" defTabSz="914400" rtl="0" latinLnBrk="0">
+              <a:lnSpc>
+                <a:spcPct val="90000"/>
+              </a:lnSpc>
+              <a:spcBef>
+                <a:spcPts val="1000"/>
+              </a:spcBef>
+              <a:spcAft>
+                <a:spcPts val="0"/>
+              </a:spcAft>
+              <a:buClrTx/>
+              <a:buSzPct val="100000"/>
+              <a:buFont typeface="Arial"/>
+              <a:buChar char="•"/>
+              <a:tabLst/>
+              <a:defRPr sz="2800" b="0" i="0" u="none" strike="noStrike" cap="none" spc="0" baseline="0">
+                <a:ln>
+                  <a:noFill/>
+                </a:ln>
+                <a:solidFill>
+                  <a:srgbClr val="000000"/>
+                </a:solidFill>
+                <a:uFillTx/>
+                <a:latin typeface="Tahoma"/>
+                <a:ea typeface="Tahoma"/>
+                <a:cs typeface="Tahoma"/>
+                <a:sym typeface="Tahoma"/>
+              </a:defRPr>
+            </a:lvl7pPr>
+            <a:lvl8pPr marL="3556000" marR="0" indent="-355600" algn="l" defTabSz="914400" rtl="0" latinLnBrk="0">
+              <a:lnSpc>
+                <a:spcPct val="90000"/>
+              </a:lnSpc>
+              <a:spcBef>
+                <a:spcPts val="1000"/>
+              </a:spcBef>
+              <a:spcAft>
+                <a:spcPts val="0"/>
+              </a:spcAft>
+              <a:buClrTx/>
+              <a:buSzPct val="100000"/>
+              <a:buFont typeface="Arial"/>
+              <a:buChar char="•"/>
+              <a:tabLst/>
+              <a:defRPr sz="2800" b="0" i="0" u="none" strike="noStrike" cap="none" spc="0" baseline="0">
+                <a:ln>
+                  <a:noFill/>
+                </a:ln>
+                <a:solidFill>
+                  <a:srgbClr val="000000"/>
+                </a:solidFill>
+                <a:uFillTx/>
+                <a:latin typeface="Tahoma"/>
+                <a:ea typeface="Tahoma"/>
+                <a:cs typeface="Tahoma"/>
+                <a:sym typeface="Tahoma"/>
+              </a:defRPr>
+            </a:lvl8pPr>
+            <a:lvl9pPr marL="4013200" marR="0" indent="-355600" algn="l" defTabSz="914400" rtl="0" latinLnBrk="0">
+              <a:lnSpc>
+                <a:spcPct val="90000"/>
+              </a:lnSpc>
+              <a:spcBef>
+                <a:spcPts val="1000"/>
+              </a:spcBef>
+              <a:spcAft>
+                <a:spcPts val="0"/>
+              </a:spcAft>
+              <a:buClrTx/>
+              <a:buSzPct val="100000"/>
+              <a:buFont typeface="Arial"/>
+              <a:buChar char="•"/>
+              <a:tabLst/>
+              <a:defRPr sz="2800" b="0" i="0" u="none" strike="noStrike" cap="none" spc="0" baseline="0">
+                <a:ln>
+                  <a:noFill/>
+                </a:ln>
+                <a:solidFill>
+                  <a:srgbClr val="000000"/>
+                </a:solidFill>
+                <a:uFillTx/>
+                <a:latin typeface="Tahoma"/>
+                <a:ea typeface="Tahoma"/>
+                <a:cs typeface="Tahoma"/>
+                <a:sym typeface="Tahoma"/>
+              </a:defRPr>
+            </a:lvl9pPr>
+          </a:lstStyle>
+          <a:p>
+            <a:pPr marL="0" indent="0" hangingPunct="1">
+              <a:buNone/>
+            </a:pPr>
+            <a:endParaRPr lang="en-US" sz="1500" dirty="0">
+              <a:solidFill>
+                <a:schemeClr val="tx1"/>
+              </a:solidFill>
+              <a:latin typeface="Consolas" panose="020B0609020204030204" pitchFamily="49" charset="0"/>
+            </a:endParaRPr>
+          </a:p>
+          <a:p>
+            <a:pPr marL="0" indent="0" hangingPunct="1">
+              <a:buNone/>
+            </a:pPr>
+            <a:r>
+              <a:rPr lang="en-US" sz="1500" dirty="0">
+                <a:solidFill>
+                  <a:schemeClr val="tx1"/>
+                </a:solidFill>
+                <a:latin typeface="Consolas" panose="020B0609020204030204" pitchFamily="49" charset="0"/>
+              </a:rPr>
+              <a:t>names, ages, gender = </a:t>
+            </a:r>
+            <a:r>
+              <a:rPr lang="en-US" sz="1500" dirty="0">
+                <a:solidFill>
+                  <a:schemeClr val="accent2"/>
+                </a:solidFill>
+                <a:latin typeface="Consolas" panose="020B0609020204030204" pitchFamily="49" charset="0"/>
+              </a:rPr>
+              <a:t>zip</a:t>
+            </a:r>
+            <a:r>
+              <a:rPr lang="en-US" sz="1500" dirty="0">
+                <a:solidFill>
+                  <a:schemeClr val="accent1"/>
+                </a:solidFill>
+                <a:latin typeface="Consolas" panose="020B0609020204030204" pitchFamily="49" charset="0"/>
+              </a:rPr>
+              <a:t>(</a:t>
+            </a:r>
+            <a:r>
+              <a:rPr lang="en-US" sz="1500" dirty="0">
+                <a:solidFill>
+                  <a:schemeClr val="tx1"/>
+                </a:solidFill>
+                <a:latin typeface="Consolas" panose="020B0609020204030204" pitchFamily="49" charset="0"/>
+              </a:rPr>
+              <a:t>*combined</a:t>
+            </a:r>
+            <a:r>
+              <a:rPr lang="en-US" sz="1500" dirty="0">
+                <a:solidFill>
+                  <a:schemeClr val="accent1"/>
+                </a:solidFill>
+                <a:latin typeface="Consolas" panose="020B0609020204030204" pitchFamily="49" charset="0"/>
+              </a:rPr>
+              <a:t>)</a:t>
+            </a:r>
+          </a:p>
+        </p:txBody>
+      </p:sp>
+    </p:spTree>
+    <p:extLst>
+      <p:ext uri="{BB962C8B-B14F-4D97-AF65-F5344CB8AC3E}">
+        <p14:creationId xmlns:p14="http://schemas.microsoft.com/office/powerpoint/2010/main" val="2931892192"/>
+      </p:ext>
+    </p:extLst>
+  </p:cSld>
+  <p:clrMapOvr>
+    <a:masterClrMapping/>
+  </p:clrMapOvr>
+</p:sld>
+</file>
+
+<file path=ppt/slides/slide18.xml><?xml version="1.0" encoding="utf-8"?>
+<p:sld xmlns:a="http://schemas.openxmlformats.org/drawingml/2006/main" xmlns:r="http://schemas.openxmlformats.org/officeDocument/2006/relationships" xmlns:p="http://schemas.openxmlformats.org/presentationml/2006/main">
+  <p:cSld>
+    <p:spTree>
+      <p:nvGrpSpPr>
+        <p:cNvPr id="1" name=""/>
+        <p:cNvGrpSpPr/>
+        <p:nvPr/>
+      </p:nvGrpSpPr>
+      <p:grpSpPr>
+        <a:xfrm>
+          <a:off x="0" y="0"/>
+          <a:ext cx="0" cy="0"/>
+          <a:chOff x="0" y="0"/>
+          <a:chExt cx="0" cy="0"/>
+        </a:xfrm>
+      </p:grpSpPr>
+      <p:sp>
+        <p:nvSpPr>
+          <p:cNvPr id="2" name="Title 1">
+            <a:extLst>
+              <a:ext uri="{FF2B5EF4-FFF2-40B4-BE49-F238E27FC236}">
+                <a16:creationId xmlns:a16="http://schemas.microsoft.com/office/drawing/2014/main" id="{30AF865A-8181-4DAA-A1EF-5D642527395C}"/>
+              </a:ext>
+            </a:extLst>
+          </p:cNvPr>
+          <p:cNvSpPr>
+            <a:spLocks noGrp="1"/>
+          </p:cNvSpPr>
+          <p:nvPr>
+            <p:ph type="title"/>
+          </p:nvPr>
+        </p:nvSpPr>
+        <p:spPr/>
+        <p:txBody>
+          <a:bodyPr/>
+          <a:lstStyle/>
+          <a:p>
+            <a:r>
+              <a:rPr lang="nl-BE" b="1" dirty="0" err="1"/>
+              <a:t>Repetition</a:t>
+            </a:r>
+            <a:r>
+              <a:rPr lang="nl-BE" b="1" dirty="0"/>
+              <a:t> of </a:t>
+            </a:r>
+            <a:r>
+              <a:rPr lang="nl-BE" b="1" dirty="0" err="1"/>
+              <a:t>this</a:t>
+            </a:r>
+            <a:r>
+              <a:rPr lang="nl-BE" b="1" dirty="0"/>
+              <a:t> </a:t>
+            </a:r>
+            <a:r>
+              <a:rPr lang="nl-BE" b="1" dirty="0" err="1"/>
+              <a:t>lesson</a:t>
+            </a:r>
+            <a:endParaRPr lang="en-US" b="1" dirty="0"/>
+          </a:p>
+        </p:txBody>
+      </p:sp>
+      <p:sp>
+        <p:nvSpPr>
+          <p:cNvPr id="3" name="Text Placeholder 2">
+            <a:extLst>
+              <a:ext uri="{FF2B5EF4-FFF2-40B4-BE49-F238E27FC236}">
+                <a16:creationId xmlns:a16="http://schemas.microsoft.com/office/drawing/2014/main" id="{3FF93CCA-E9DD-47C9-8EE0-1190EA64BA3D}"/>
+              </a:ext>
+            </a:extLst>
+          </p:cNvPr>
+          <p:cNvSpPr txBox="1">
+            <a:spLocks/>
+          </p:cNvSpPr>
+          <p:nvPr/>
+        </p:nvSpPr>
+        <p:spPr>
+          <a:xfrm>
+            <a:off x="838200" y="1690688"/>
+            <a:ext cx="9948334" cy="5032375"/>
+          </a:xfrm>
+          <a:prstGeom prst="rect">
+            <a:avLst/>
+          </a:prstGeom>
+        </p:spPr>
+        <p:txBody>
+          <a:bodyPr>
+            <a:normAutofit/>
+          </a:bodyPr>
+          <a:lstStyle>
+            <a:lvl1pPr marL="228600" indent="-228600" algn="l" defTabSz="914400" rtl="0" eaLnBrk="1" latinLnBrk="0" hangingPunct="1">
+              <a:lnSpc>
+                <a:spcPct val="90000"/>
+              </a:lnSpc>
+              <a:spcBef>
+                <a:spcPts val="1000"/>
+              </a:spcBef>
+              <a:buFont typeface="Arial" panose="020B0604020202020204" pitchFamily="34" charset="0"/>
+              <a:buChar char="•"/>
+              <a:defRPr sz="2800" kern="1200">
+                <a:solidFill>
+                  <a:schemeClr val="tx1"/>
+                </a:solidFill>
+                <a:latin typeface="+mn-lt"/>
+                <a:ea typeface="+mn-ea"/>
+                <a:cs typeface="+mn-cs"/>
+              </a:defRPr>
+            </a:lvl1pPr>
+            <a:lvl2pPr marL="685800" indent="-228600" algn="l" defTabSz="914400" rtl="0" eaLnBrk="1" latinLnBrk="0" hangingPunct="1">
+              <a:lnSpc>
+                <a:spcPct val="90000"/>
+              </a:lnSpc>
+              <a:spcBef>
+                <a:spcPts val="500"/>
+              </a:spcBef>
+              <a:buFont typeface="Arial" panose="020B0604020202020204" pitchFamily="34" charset="0"/>
+              <a:buChar char="•"/>
+              <a:defRPr sz="2400" kern="1200">
+                <a:solidFill>
+                  <a:schemeClr val="tx1"/>
+                </a:solidFill>
+                <a:latin typeface="+mn-lt"/>
+                <a:ea typeface="+mn-ea"/>
+                <a:cs typeface="+mn-cs"/>
+              </a:defRPr>
+            </a:lvl2pPr>
+            <a:lvl3pPr marL="1143000" indent="-228600" algn="l" defTabSz="914400" rtl="0" eaLnBrk="1" latinLnBrk="0" hangingPunct="1">
+              <a:lnSpc>
+                <a:spcPct val="90000"/>
+              </a:lnSpc>
+              <a:spcBef>
+                <a:spcPts val="500"/>
+              </a:spcBef>
+              <a:buFont typeface="Arial" panose="020B0604020202020204" pitchFamily="34" charset="0"/>
+              <a:buChar char="•"/>
+              <a:defRPr sz="2000" kern="1200">
+                <a:solidFill>
+                  <a:schemeClr val="tx1"/>
+                </a:solidFill>
+                <a:latin typeface="+mn-lt"/>
+                <a:ea typeface="+mn-ea"/>
+                <a:cs typeface="+mn-cs"/>
+              </a:defRPr>
+            </a:lvl3pPr>
+            <a:lvl4pPr marL="1600200" indent="-228600" algn="l" defTabSz="914400" rtl="0" eaLnBrk="1" latinLnBrk="0" hangingPunct="1">
+              <a:lnSpc>
+                <a:spcPct val="90000"/>
+              </a:lnSpc>
+              <a:spcBef>
+                <a:spcPts val="500"/>
+              </a:spcBef>
+              <a:buFont typeface="Arial" panose="020B0604020202020204" pitchFamily="34" charset="0"/>
+              <a:buChar char="•"/>
+              <a:defRPr sz="1800" kern="1200">
+                <a:solidFill>
+                  <a:schemeClr val="tx1"/>
+                </a:solidFill>
+                <a:latin typeface="+mn-lt"/>
+                <a:ea typeface="+mn-ea"/>
+                <a:cs typeface="+mn-cs"/>
+              </a:defRPr>
+            </a:lvl4pPr>
+            <a:lvl5pPr marL="2057400" indent="-228600" algn="l" defTabSz="914400" rtl="0" eaLnBrk="1" latinLnBrk="0" hangingPunct="1">
+              <a:lnSpc>
+                <a:spcPct val="90000"/>
+              </a:lnSpc>
+              <a:spcBef>
+                <a:spcPts val="500"/>
+              </a:spcBef>
+              <a:buFont typeface="Arial" panose="020B0604020202020204" pitchFamily="34" charset="0"/>
+              <a:buChar char="•"/>
+              <a:defRPr sz="1800" kern="1200">
+                <a:solidFill>
+                  <a:schemeClr val="tx1"/>
+                </a:solidFill>
+                <a:latin typeface="+mn-lt"/>
+                <a:ea typeface="+mn-ea"/>
+                <a:cs typeface="+mn-cs"/>
+              </a:defRPr>
+            </a:lvl5pPr>
+            <a:lvl6pPr marL="2514600" indent="-228600" algn="l" defTabSz="914400" rtl="0" eaLnBrk="1" latinLnBrk="0" hangingPunct="1">
+              <a:lnSpc>
+                <a:spcPct val="90000"/>
+              </a:lnSpc>
+              <a:spcBef>
+                <a:spcPts val="500"/>
+              </a:spcBef>
+              <a:buFont typeface="Arial" panose="020B0604020202020204" pitchFamily="34" charset="0"/>
+              <a:buChar char="•"/>
+              <a:defRPr sz="1800" kern="1200">
+                <a:solidFill>
+                  <a:schemeClr val="tx1"/>
+                </a:solidFill>
+                <a:latin typeface="+mn-lt"/>
+                <a:ea typeface="+mn-ea"/>
+                <a:cs typeface="+mn-cs"/>
+              </a:defRPr>
+            </a:lvl6pPr>
+            <a:lvl7pPr marL="2971800" indent="-228600" algn="l" defTabSz="914400" rtl="0" eaLnBrk="1" latinLnBrk="0" hangingPunct="1">
+              <a:lnSpc>
+                <a:spcPct val="90000"/>
+              </a:lnSpc>
+              <a:spcBef>
+                <a:spcPts val="500"/>
+              </a:spcBef>
+              <a:buFont typeface="Arial" panose="020B0604020202020204" pitchFamily="34" charset="0"/>
+              <a:buChar char="•"/>
+              <a:defRPr sz="1800" kern="1200">
+                <a:solidFill>
+                  <a:schemeClr val="tx1"/>
+                </a:solidFill>
+                <a:latin typeface="+mn-lt"/>
+                <a:ea typeface="+mn-ea"/>
+                <a:cs typeface="+mn-cs"/>
+              </a:defRPr>
+            </a:lvl7pPr>
+            <a:lvl8pPr marL="3429000" indent="-228600" algn="l" defTabSz="914400" rtl="0" eaLnBrk="1" latinLnBrk="0" hangingPunct="1">
+              <a:lnSpc>
+                <a:spcPct val="90000"/>
+              </a:lnSpc>
+              <a:spcBef>
+                <a:spcPts val="500"/>
+              </a:spcBef>
+              <a:buFont typeface="Arial" panose="020B0604020202020204" pitchFamily="34" charset="0"/>
+              <a:buChar char="•"/>
+              <a:defRPr sz="1800" kern="1200">
+                <a:solidFill>
+                  <a:schemeClr val="tx1"/>
+                </a:solidFill>
+                <a:latin typeface="+mn-lt"/>
+                <a:ea typeface="+mn-ea"/>
+                <a:cs typeface="+mn-cs"/>
+              </a:defRPr>
+            </a:lvl8pPr>
+            <a:lvl9pPr marL="3886200" indent="-228600" algn="l" defTabSz="914400" rtl="0" eaLnBrk="1" latinLnBrk="0" hangingPunct="1">
+              <a:lnSpc>
+                <a:spcPct val="90000"/>
+              </a:lnSpc>
+              <a:spcBef>
+                <a:spcPts val="500"/>
+              </a:spcBef>
+              <a:buFont typeface="Arial" panose="020B0604020202020204" pitchFamily="34" charset="0"/>
+              <a:buChar char="•"/>
+              <a:defRPr sz="1800" kern="1200">
+                <a:solidFill>
+                  <a:schemeClr val="tx1"/>
+                </a:solidFill>
+                <a:latin typeface="+mn-lt"/>
+                <a:ea typeface="+mn-ea"/>
+                <a:cs typeface="+mn-cs"/>
+              </a:defRPr>
+            </a:lvl9pPr>
+          </a:lstStyle>
+          <a:p>
             <a:r>
               <a:rPr lang="nl-BE" dirty="0" err="1"/>
               <a:t>What</a:t>
@@ -17653,6 +19519,12 @@
             <a:r>
               <a:rPr lang="en-US" dirty="0"/>
               <a:t>How can you filter in Python and give and example.</a:t>
+            </a:r>
+          </a:p>
+          <a:p>
+            <a:r>
+              <a:rPr lang="en-US" dirty="0"/>
+              <a:t>How does the Zip function work?</a:t>
             </a:r>
           </a:p>
           <a:p>
@@ -18379,6 +20251,44 @@
               <a:t>function</a:t>
             </a:r>
             <a:endParaRPr lang="nl-BE" dirty="0"/>
+          </a:p>
+          <a:p>
+            <a:r>
+              <a:rPr lang="nl-BE" dirty="0"/>
+              <a:t>Student </a:t>
+            </a:r>
+            <a:r>
+              <a:rPr lang="nl-BE" dirty="0" err="1"/>
+              <a:t>can</a:t>
+            </a:r>
+            <a:r>
+              <a:rPr lang="nl-BE" dirty="0"/>
+              <a:t> </a:t>
+            </a:r>
+            <a:r>
+              <a:rPr lang="nl-BE" dirty="0" err="1"/>
+              <a:t>use</a:t>
+            </a:r>
+            <a:r>
+              <a:rPr lang="nl-BE" dirty="0"/>
+              <a:t> </a:t>
+            </a:r>
+            <a:r>
+              <a:rPr lang="nl-BE" dirty="0" err="1"/>
+              <a:t>the</a:t>
+            </a:r>
+            <a:r>
+              <a:rPr lang="nl-BE" dirty="0"/>
+              <a:t> zip </a:t>
+            </a:r>
+            <a:r>
+              <a:rPr lang="nl-BE" dirty="0" err="1"/>
+              <a:t>function</a:t>
+            </a:r>
+            <a:r>
+              <a:rPr lang="nl-BE" dirty="0"/>
+              <a:t>.</a:t>
+            </a:r>
           </a:p>
           <a:p>
             <a:endParaRPr lang="en-US" dirty="0"/>
@@ -19463,7 +21373,7 @@
           </a:ln>
           <a:extLst>
             <a:ext uri="{C572A759-6A51-4108-AA02-DFA0A04FC94B}">
-              <ma14:wrappingTextBoxFlag xmlns="" xmlns:ma14="http://schemas.microsoft.com/office/mac/drawingml/2011/main" val="1"/>
+              <ma14:wrappingTextBoxFlag xmlns:ma14="http://schemas.microsoft.com/office/mac/drawingml/2011/main" xmlns="" val="1"/>
             </a:ext>
           </a:extLst>
         </p:spPr>
@@ -20358,7 +22268,7 @@
           </a:ln>
           <a:extLst>
             <a:ext uri="{C572A759-6A51-4108-AA02-DFA0A04FC94B}">
-              <ma14:wrappingTextBoxFlag xmlns="" xmlns:ma14="http://schemas.microsoft.com/office/mac/drawingml/2011/main" val="1"/>
+              <ma14:wrappingTextBoxFlag xmlns:ma14="http://schemas.microsoft.com/office/mac/drawingml/2011/main" xmlns="" val="1"/>
             </a:ext>
           </a:extLst>
         </p:spPr>
@@ -21511,7 +23421,7 @@
           </a:ln>
           <a:extLst>
             <a:ext uri="{C572A759-6A51-4108-AA02-DFA0A04FC94B}">
-              <ma14:wrappingTextBoxFlag xmlns="" xmlns:ma14="http://schemas.microsoft.com/office/mac/drawingml/2011/main" val="1"/>
+              <ma14:wrappingTextBoxFlag xmlns:ma14="http://schemas.microsoft.com/office/mac/drawingml/2011/main" xmlns="" val="1"/>
             </a:ext>
           </a:extLst>
         </p:spPr>
@@ -22325,7 +24235,7 @@
           </a:ln>
           <a:extLst>
             <a:ext uri="{C572A759-6A51-4108-AA02-DFA0A04FC94B}">
-              <ma14:wrappingTextBoxFlag xmlns="" xmlns:ma14="http://schemas.microsoft.com/office/mac/drawingml/2011/main" val="1"/>
+              <ma14:wrappingTextBoxFlag xmlns:ma14="http://schemas.microsoft.com/office/mac/drawingml/2011/main" xmlns="" val="1"/>
             </a:ext>
           </a:extLst>
         </p:spPr>
@@ -22674,7 +24584,7 @@
           </a:ln>
           <a:extLst>
             <a:ext uri="{C572A759-6A51-4108-AA02-DFA0A04FC94B}">
-              <ma14:wrappingTextBoxFlag xmlns="" xmlns:ma14="http://schemas.microsoft.com/office/mac/drawingml/2011/main" val="1"/>
+              <ma14:wrappingTextBoxFlag xmlns:ma14="http://schemas.microsoft.com/office/mac/drawingml/2011/main" xmlns="" val="1"/>
             </a:ext>
           </a:extLst>
         </p:spPr>
@@ -23364,7 +25274,7 @@
           </a:ln>
           <a:extLst>
             <a:ext uri="{C572A759-6A51-4108-AA02-DFA0A04FC94B}">
-              <ma14:wrappingTextBoxFlag xmlns="" xmlns:ma14="http://schemas.microsoft.com/office/mac/drawingml/2011/main" val="1"/>
+              <ma14:wrappingTextBoxFlag xmlns:ma14="http://schemas.microsoft.com/office/mac/drawingml/2011/main" xmlns="" val="1"/>
             </a:ext>
           </a:extLst>
         </p:spPr>
@@ -25324,6 +27234,15 @@
 </file>
 
 <file path=customXml/item1.xml><?xml version="1.0" encoding="utf-8"?>
+<?mso-contentType ?>
+<FormTemplates xmlns="http://schemas.microsoft.com/sharepoint/v3/contenttype/forms">
+  <Display>DocumentLibraryForm</Display>
+  <Edit>DocumentLibraryForm</Edit>
+  <New>DocumentLibraryForm</New>
+</FormTemplates>
+</file>
+
+<file path=customXml/item2.xml><?xml version="1.0" encoding="utf-8"?>
 <ct:contentTypeSchema xmlns:ct="http://schemas.microsoft.com/office/2006/metadata/contentType" xmlns:ma="http://schemas.microsoft.com/office/2006/metadata/properties/metaAttributes" ct:_="" ma:_="" ma:contentTypeName="Document" ma:contentTypeID="0x010100F1325F46957A7D4694A8ACC888AA2621" ma:contentTypeVersion="7" ma:contentTypeDescription="Een nieuw document maken." ma:contentTypeScope="" ma:versionID="14c5700b56297cf9c66eff42b9f64bd4">
   <xsd:schema xmlns:xsd="http://www.w3.org/2001/XMLSchema" xmlns:xs="http://www.w3.org/2001/XMLSchema" xmlns:p="http://schemas.microsoft.com/office/2006/metadata/properties" xmlns:ns2="9b614674-bb2d-4c45-94ea-39f42762d3ae" targetNamespace="http://schemas.microsoft.com/office/2006/metadata/properties" ma:root="true" ma:fieldsID="4e421ba7028bb8b9c0acf45abfb7d816" ns2:_="">
     <xsd:import namespace="9b614674-bb2d-4c45-94ea-39f42762d3ae"/>
@@ -25483,15 +27402,6 @@
 </ct:contentTypeSchema>
 </file>
 
-<file path=customXml/item2.xml><?xml version="1.0" encoding="utf-8"?>
-<?mso-contentType ?>
-<FormTemplates xmlns="http://schemas.microsoft.com/sharepoint/v3/contenttype/forms">
-  <Display>DocumentLibraryForm</Display>
-  <Edit>DocumentLibraryForm</Edit>
-  <New>DocumentLibraryForm</New>
-</FormTemplates>
-</file>
-
 <file path=customXml/item3.xml><?xml version="1.0" encoding="utf-8"?>
 <p:properties xmlns:p="http://schemas.microsoft.com/office/2006/metadata/properties" xmlns:xsi="http://www.w3.org/2001/XMLSchema-instance" xmlns:pc="http://schemas.microsoft.com/office/infopath/2007/PartnerControls">
   <documentManagement>
@@ -25503,6 +27413,14 @@
 </file>
 
 <file path=customXml/itemProps1.xml><?xml version="1.0" encoding="utf-8"?>
+<ds:datastoreItem xmlns:ds="http://schemas.openxmlformats.org/officeDocument/2006/customXml" ds:itemID="{126BFA21-774C-45F5-BE3E-541B29302740}">
+  <ds:schemaRefs>
+    <ds:schemaRef ds:uri="http://schemas.microsoft.com/sharepoint/v3/contenttype/forms"/>
+  </ds:schemaRefs>
+</ds:datastoreItem>
+</file>
+
+<file path=customXml/itemProps2.xml><?xml version="1.0" encoding="utf-8"?>
 <ds:datastoreItem xmlns:ds="http://schemas.openxmlformats.org/officeDocument/2006/customXml" ds:itemID="{91A37897-CF46-4B8E-B11C-A11B11EC42BB}">
   <ds:schemaRefs>
     <ds:schemaRef ds:uri="http://schemas.microsoft.com/office/2006/metadata/contentType"/>
@@ -25520,14 +27438,6 @@
 </ds:datastoreItem>
 </file>
 
-<file path=customXml/itemProps2.xml><?xml version="1.0" encoding="utf-8"?>
-<ds:datastoreItem xmlns:ds="http://schemas.openxmlformats.org/officeDocument/2006/customXml" ds:itemID="{126BFA21-774C-45F5-BE3E-541B29302740}">
-  <ds:schemaRefs>
-    <ds:schemaRef ds:uri="http://schemas.microsoft.com/sharepoint/v3/contenttype/forms"/>
-  </ds:schemaRefs>
-</ds:datastoreItem>
-</file>
-
 <file path=customXml/itemProps3.xml><?xml version="1.0" encoding="utf-8"?>
 <ds:datastoreItem xmlns:ds="http://schemas.openxmlformats.org/officeDocument/2006/customXml" ds:itemID="{4B4D6183-A0C2-41B9-BD62-0CD29AC5B1EF}">
   <ds:schemaRefs>

--- a/03-iterable/programming2_iterable.pptx
+++ b/03-iterable/programming2_iterable.pptx
@@ -5,7 +5,7 @@
     <p:sldMasterId id="2147483648" r:id="rId4"/>
   </p:sldMasterIdLst>
   <p:notesMasterIdLst>
-    <p:notesMasterId r:id="rId23"/>
+    <p:notesMasterId r:id="rId24"/>
   </p:notesMasterIdLst>
   <p:sldIdLst>
     <p:sldId id="263" r:id="rId5"/>
@@ -25,7 +25,8 @@
     <p:sldId id="311" r:id="rId19"/>
     <p:sldId id="312" r:id="rId20"/>
     <p:sldId id="313" r:id="rId21"/>
-    <p:sldId id="309" r:id="rId22"/>
+    <p:sldId id="314" r:id="rId22"/>
+    <p:sldId id="309" r:id="rId23"/>
   </p:sldIdLst>
   <p:sldSz cx="12192000" cy="6858000"/>
   <p:notesSz cx="6858000" cy="9144000"/>
@@ -1350,6 +1351,202 @@
     <p:extLst>
       <p:ext uri="{BB962C8B-B14F-4D97-AF65-F5344CB8AC3E}">
         <p14:creationId xmlns:p14="http://schemas.microsoft.com/office/powerpoint/2010/main" val="2930577142"/>
+      </p:ext>
+    </p:extLst>
+  </p:cSld>
+  <p:clrMapOvr>
+    <a:masterClrMapping/>
+  </p:clrMapOvr>
+</p:notes>
+</file>
+
+<file path=ppt/notesSlides/notesSlide14.xml><?xml version="1.0" encoding="utf-8"?>
+<p:notes xmlns:a="http://schemas.openxmlformats.org/drawingml/2006/main" xmlns:r="http://schemas.openxmlformats.org/officeDocument/2006/relationships" xmlns:p="http://schemas.openxmlformats.org/presentationml/2006/main">
+  <p:cSld>
+    <p:spTree>
+      <p:nvGrpSpPr>
+        <p:cNvPr id="1" name=""/>
+        <p:cNvGrpSpPr/>
+        <p:nvPr/>
+      </p:nvGrpSpPr>
+      <p:grpSpPr>
+        <a:xfrm>
+          <a:off x="0" y="0"/>
+          <a:ext cx="0" cy="0"/>
+          <a:chOff x="0" y="0"/>
+          <a:chExt cx="0" cy="0"/>
+        </a:xfrm>
+      </p:grpSpPr>
+      <p:sp>
+        <p:nvSpPr>
+          <p:cNvPr id="2" name="Slide Image Placeholder 1"/>
+          <p:cNvSpPr>
+            <a:spLocks noGrp="1" noRot="1" noChangeAspect="1"/>
+          </p:cNvSpPr>
+          <p:nvPr>
+            <p:ph type="sldImg"/>
+          </p:nvPr>
+        </p:nvSpPr>
+        <p:spPr/>
+      </p:sp>
+      <p:sp>
+        <p:nvSpPr>
+          <p:cNvPr id="3" name="Notes Placeholder 2"/>
+          <p:cNvSpPr>
+            <a:spLocks noGrp="1"/>
+          </p:cNvSpPr>
+          <p:nvPr>
+            <p:ph type="body" idx="1"/>
+          </p:nvPr>
+        </p:nvSpPr>
+        <p:spPr/>
+        <p:txBody>
+          <a:bodyPr/>
+          <a:lstStyle/>
+          <a:p>
+            <a:r>
+              <a:rPr lang="nl-BE"/>
+              <a:t>Small </a:t>
+            </a:r>
+            <a:r>
+              <a:rPr lang="nl-BE" err="1"/>
+              <a:t>exercise</a:t>
+            </a:r>
+            <a:r>
+              <a:rPr lang="nl-BE"/>
+              <a:t> </a:t>
+            </a:r>
+            <a:r>
+              <a:rPr lang="nl-BE" err="1"/>
+              <a:t>so</a:t>
+            </a:r>
+            <a:r>
+              <a:rPr lang="nl-BE"/>
+              <a:t> </a:t>
+            </a:r>
+            <a:r>
+              <a:rPr lang="nl-BE" err="1"/>
+              <a:t>that</a:t>
+            </a:r>
+            <a:r>
+              <a:rPr lang="nl-BE"/>
+              <a:t> </a:t>
+            </a:r>
+            <a:r>
+              <a:rPr lang="nl-BE" err="1"/>
+              <a:t>the</a:t>
+            </a:r>
+            <a:r>
+              <a:rPr lang="nl-BE"/>
+              <a:t> </a:t>
+            </a:r>
+            <a:r>
+              <a:rPr lang="nl-BE" err="1"/>
+              <a:t>students</a:t>
+            </a:r>
+            <a:r>
+              <a:rPr lang="nl-BE"/>
+              <a:t> </a:t>
+            </a:r>
+            <a:r>
+              <a:rPr lang="nl-BE" err="1"/>
+              <a:t>understand</a:t>
+            </a:r>
+            <a:r>
+              <a:rPr lang="nl-BE"/>
+              <a:t> </a:t>
+            </a:r>
+            <a:r>
+              <a:rPr lang="nl-BE" err="1"/>
+              <a:t>it</a:t>
+            </a:r>
+            <a:r>
+              <a:rPr lang="nl-BE"/>
+              <a:t> </a:t>
+            </a:r>
+            <a:r>
+              <a:rPr lang="nl-BE" err="1"/>
+              <a:t>better</a:t>
+            </a:r>
+            <a:r>
+              <a:rPr lang="nl-BE"/>
+              <a:t> </a:t>
+            </a:r>
+            <a:r>
+              <a:rPr lang="nl-BE" err="1"/>
+              <a:t>and</a:t>
+            </a:r>
+            <a:r>
+              <a:rPr lang="nl-BE"/>
+              <a:t> we </a:t>
+            </a:r>
+            <a:r>
+              <a:rPr lang="nl-BE" err="1"/>
+              <a:t>can</a:t>
+            </a:r>
+            <a:r>
+              <a:rPr lang="nl-BE"/>
+              <a:t> go </a:t>
+            </a:r>
+            <a:r>
+              <a:rPr lang="nl-BE" err="1"/>
+              <a:t>further</a:t>
+            </a:r>
+            <a:r>
+              <a:rPr lang="nl-BE"/>
+              <a:t> </a:t>
+            </a:r>
+            <a:r>
+              <a:rPr lang="nl-BE" err="1"/>
+              <a:t>with</a:t>
+            </a:r>
+            <a:r>
+              <a:rPr lang="nl-BE"/>
+              <a:t> </a:t>
+            </a:r>
+            <a:r>
+              <a:rPr lang="nl-BE" err="1"/>
+              <a:t>the</a:t>
+            </a:r>
+            <a:r>
+              <a:rPr lang="nl-BE"/>
+              <a:t> </a:t>
+            </a:r>
+            <a:r>
+              <a:rPr lang="nl-BE" err="1"/>
+              <a:t>theory</a:t>
+            </a:r>
+            <a:endParaRPr lang="en-US"/>
+          </a:p>
+        </p:txBody>
+      </p:sp>
+      <p:sp>
+        <p:nvSpPr>
+          <p:cNvPr id="4" name="Slide Number Placeholder 3"/>
+          <p:cNvSpPr>
+            <a:spLocks noGrp="1"/>
+          </p:cNvSpPr>
+          <p:nvPr>
+            <p:ph type="sldNum" sz="quarter" idx="5"/>
+          </p:nvPr>
+        </p:nvSpPr>
+        <p:spPr/>
+        <p:txBody>
+          <a:bodyPr/>
+          <a:lstStyle/>
+          <a:p>
+            <a:fld id="{385D81E3-8A75-42F6-A177-7CFA6F5B4196}" type="slidenum">
+              <a:rPr lang="en-US" smtClean="0"/>
+              <a:t>18</a:t>
+            </a:fld>
+            <a:endParaRPr lang="en-US"/>
+          </a:p>
+        </p:txBody>
+      </p:sp>
+    </p:spTree>
+    <p:extLst>
+      <p:ext uri="{BB962C8B-B14F-4D97-AF65-F5344CB8AC3E}">
+        <p14:creationId xmlns:p14="http://schemas.microsoft.com/office/powerpoint/2010/main" val="3573547270"/>
       </p:ext>
     </p:extLst>
   </p:cSld>
@@ -7461,7 +7658,7 @@
           </a:ln>
           <a:extLst>
             <a:ext uri="{C572A759-6A51-4108-AA02-DFA0A04FC94B}">
-              <ma14:wrappingTextBoxFlag xmlns:ma14="http://schemas.microsoft.com/office/mac/drawingml/2011/main" xmlns="" val="1"/>
+              <ma14:wrappingTextBoxFlag xmlns="" xmlns:ma14="http://schemas.microsoft.com/office/mac/drawingml/2011/main" val="1"/>
             </a:ext>
           </a:extLst>
         </p:spPr>
@@ -8151,7 +8348,7 @@
           </a:ln>
           <a:extLst>
             <a:ext uri="{C572A759-6A51-4108-AA02-DFA0A04FC94B}">
-              <ma14:wrappingTextBoxFlag xmlns:ma14="http://schemas.microsoft.com/office/mac/drawingml/2011/main" xmlns="" val="1"/>
+              <ma14:wrappingTextBoxFlag xmlns="" xmlns:ma14="http://schemas.microsoft.com/office/mac/drawingml/2011/main" val="1"/>
             </a:ext>
           </a:extLst>
         </p:spPr>
@@ -8497,7 +8694,7 @@
           </a:ln>
           <a:extLst>
             <a:ext uri="{C572A759-6A51-4108-AA02-DFA0A04FC94B}">
-              <ma14:wrappingTextBoxFlag xmlns:ma14="http://schemas.microsoft.com/office/mac/drawingml/2011/main" xmlns="" val="1"/>
+              <ma14:wrappingTextBoxFlag xmlns="" xmlns:ma14="http://schemas.microsoft.com/office/mac/drawingml/2011/main" val="1"/>
             </a:ext>
           </a:extLst>
         </p:spPr>
@@ -9161,7 +9358,7 @@
           </a:ln>
           <a:extLst>
             <a:ext uri="{C572A759-6A51-4108-AA02-DFA0A04FC94B}">
-              <ma14:wrappingTextBoxFlag xmlns:ma14="http://schemas.microsoft.com/office/mac/drawingml/2011/main" xmlns="" val="1"/>
+              <ma14:wrappingTextBoxFlag xmlns="" xmlns:ma14="http://schemas.microsoft.com/office/mac/drawingml/2011/main" val="1"/>
             </a:ext>
           </a:extLst>
         </p:spPr>
@@ -10046,7 +10243,7 @@
           </a:ln>
           <a:extLst>
             <a:ext uri="{C572A759-6A51-4108-AA02-DFA0A04FC94B}">
-              <ma14:wrappingTextBoxFlag xmlns:ma14="http://schemas.microsoft.com/office/mac/drawingml/2011/main" xmlns="" val="1"/>
+              <ma14:wrappingTextBoxFlag xmlns="" xmlns:ma14="http://schemas.microsoft.com/office/mac/drawingml/2011/main" val="1"/>
             </a:ext>
           </a:extLst>
         </p:spPr>
@@ -10856,7 +11053,7 @@
           </a:ln>
           <a:extLst>
             <a:ext uri="{C572A759-6A51-4108-AA02-DFA0A04FC94B}">
-              <ma14:wrappingTextBoxFlag xmlns:ma14="http://schemas.microsoft.com/office/mac/drawingml/2011/main" xmlns="" val="1"/>
+              <ma14:wrappingTextBoxFlag xmlns="" xmlns:ma14="http://schemas.microsoft.com/office/mac/drawingml/2011/main" val="1"/>
             </a:ext>
           </a:extLst>
         </p:spPr>
@@ -11194,7 +11391,7 @@
           </a:ln>
           <a:extLst>
             <a:ext uri="{C572A759-6A51-4108-AA02-DFA0A04FC94B}">
-              <ma14:wrappingTextBoxFlag xmlns:ma14="http://schemas.microsoft.com/office/mac/drawingml/2011/main" xmlns="" val="1"/>
+              <ma14:wrappingTextBoxFlag xmlns="" xmlns:ma14="http://schemas.microsoft.com/office/mac/drawingml/2011/main" val="1"/>
             </a:ext>
           </a:extLst>
         </p:spPr>
@@ -11969,7 +12166,7 @@
           </a:ln>
           <a:extLst>
             <a:ext uri="{C572A759-6A51-4108-AA02-DFA0A04FC94B}">
-              <ma14:wrappingTextBoxFlag xmlns:ma14="http://schemas.microsoft.com/office/mac/drawingml/2011/main" xmlns="" val="1"/>
+              <ma14:wrappingTextBoxFlag xmlns="" xmlns:ma14="http://schemas.microsoft.com/office/mac/drawingml/2011/main" val="1"/>
             </a:ext>
           </a:extLst>
         </p:spPr>
@@ -14503,7 +14700,7 @@
           </a:ln>
           <a:extLst>
             <a:ext uri="{C572A759-6A51-4108-AA02-DFA0A04FC94B}">
-              <ma14:wrappingTextBoxFlag xmlns:ma14="http://schemas.microsoft.com/office/mac/drawingml/2011/main" xmlns="" val="1"/>
+              <ma14:wrappingTextBoxFlag xmlns="" xmlns:ma14="http://schemas.microsoft.com/office/mac/drawingml/2011/main" val="1"/>
             </a:ext>
           </a:extLst>
         </p:spPr>
@@ -15639,7 +15836,7 @@
           </a:ln>
           <a:extLst>
             <a:ext uri="{C572A759-6A51-4108-AA02-DFA0A04FC94B}">
-              <ma14:wrappingTextBoxFlag xmlns:ma14="http://schemas.microsoft.com/office/mac/drawingml/2011/main" xmlns="" val="1"/>
+              <ma14:wrappingTextBoxFlag xmlns="" xmlns:ma14="http://schemas.microsoft.com/office/mac/drawingml/2011/main" val="1"/>
             </a:ext>
           </a:extLst>
         </p:spPr>
@@ -16995,7 +17192,7 @@
           </a:ln>
           <a:extLst>
             <a:ext uri="{C572A759-6A51-4108-AA02-DFA0A04FC94B}">
-              <ma14:wrappingTextBoxFlag xmlns:ma14="http://schemas.microsoft.com/office/mac/drawingml/2011/main" xmlns="" val="1"/>
+              <ma14:wrappingTextBoxFlag xmlns="" xmlns:ma14="http://schemas.microsoft.com/office/mac/drawingml/2011/main" val="1"/>
             </a:ext>
           </a:extLst>
         </p:spPr>
@@ -18161,7 +18358,7 @@
           </a:ln>
           <a:extLst>
             <a:ext uri="{C572A759-6A51-4108-AA02-DFA0A04FC94B}">
-              <ma14:wrappingTextBoxFlag xmlns:ma14="http://schemas.microsoft.com/office/mac/drawingml/2011/main" xmlns="" val="1"/>
+              <ma14:wrappingTextBoxFlag xmlns="" xmlns:ma14="http://schemas.microsoft.com/office/mac/drawingml/2011/main" val="1"/>
             </a:ext>
           </a:extLst>
         </p:spPr>
@@ -18857,7 +19054,7 @@
           </a:ln>
           <a:extLst>
             <a:ext uri="{C572A759-6A51-4108-AA02-DFA0A04FC94B}">
-              <ma14:wrappingTextBoxFlag xmlns:ma14="http://schemas.microsoft.com/office/mac/drawingml/2011/main" xmlns="" val="1"/>
+              <ma14:wrappingTextBoxFlag xmlns="" xmlns:ma14="http://schemas.microsoft.com/office/mac/drawingml/2011/main" val="1"/>
             </a:ext>
           </a:extLst>
         </p:spPr>
@@ -19215,6 +19412,1160 @@
 </file>
 
 <file path=ppt/slides/slide18.xml><?xml version="1.0" encoding="utf-8"?>
+<p:sld xmlns:a="http://schemas.openxmlformats.org/drawingml/2006/main" xmlns:r="http://schemas.openxmlformats.org/officeDocument/2006/relationships" xmlns:p="http://schemas.openxmlformats.org/presentationml/2006/main">
+  <p:cSld>
+    <p:spTree>
+      <p:nvGrpSpPr>
+        <p:cNvPr id="1" name=""/>
+        <p:cNvGrpSpPr/>
+        <p:nvPr/>
+      </p:nvGrpSpPr>
+      <p:grpSpPr>
+        <a:xfrm>
+          <a:off x="0" y="0"/>
+          <a:ext cx="0" cy="0"/>
+          <a:chOff x="0" y="0"/>
+          <a:chExt cx="0" cy="0"/>
+        </a:xfrm>
+      </p:grpSpPr>
+      <p:sp>
+        <p:nvSpPr>
+          <p:cNvPr id="2" name="Title 1">
+            <a:extLst>
+              <a:ext uri="{FF2B5EF4-FFF2-40B4-BE49-F238E27FC236}">
+                <a16:creationId xmlns:a16="http://schemas.microsoft.com/office/drawing/2014/main" id="{30AF865A-8181-4DAA-A1EF-5D642527395C}"/>
+              </a:ext>
+            </a:extLst>
+          </p:cNvPr>
+          <p:cNvSpPr>
+            <a:spLocks noGrp="1"/>
+          </p:cNvSpPr>
+          <p:nvPr>
+            <p:ph type="title"/>
+          </p:nvPr>
+        </p:nvSpPr>
+        <p:spPr/>
+        <p:txBody>
+          <a:bodyPr/>
+          <a:lstStyle/>
+          <a:p>
+            <a:r>
+              <a:rPr lang="nl-BE" b="1" dirty="0"/>
+              <a:t>Map </a:t>
+            </a:r>
+            <a:r>
+              <a:rPr lang="nl-BE" b="1" dirty="0" err="1"/>
+              <a:t>method</a:t>
+            </a:r>
+            <a:endParaRPr lang="en-US" b="1" dirty="0"/>
+          </a:p>
+        </p:txBody>
+      </p:sp>
+      <p:sp>
+        <p:nvSpPr>
+          <p:cNvPr id="3" name="Text Placeholder 2">
+            <a:extLst>
+              <a:ext uri="{FF2B5EF4-FFF2-40B4-BE49-F238E27FC236}">
+                <a16:creationId xmlns:a16="http://schemas.microsoft.com/office/drawing/2014/main" id="{3FF93CCA-E9DD-47C9-8EE0-1190EA64BA3D}"/>
+              </a:ext>
+            </a:extLst>
+          </p:cNvPr>
+          <p:cNvSpPr txBox="1">
+            <a:spLocks/>
+          </p:cNvSpPr>
+          <p:nvPr/>
+        </p:nvSpPr>
+        <p:spPr>
+          <a:xfrm>
+            <a:off x="838200" y="1690688"/>
+            <a:ext cx="9948334" cy="5032375"/>
+          </a:xfrm>
+          <a:prstGeom prst="rect">
+            <a:avLst/>
+          </a:prstGeom>
+        </p:spPr>
+        <p:txBody>
+          <a:bodyPr>
+            <a:normAutofit/>
+          </a:bodyPr>
+          <a:lstStyle>
+            <a:lvl1pPr marL="228600" indent="-228600" algn="l" defTabSz="914400" rtl="0" eaLnBrk="1" latinLnBrk="0" hangingPunct="1">
+              <a:lnSpc>
+                <a:spcPct val="90000"/>
+              </a:lnSpc>
+              <a:spcBef>
+                <a:spcPts val="1000"/>
+              </a:spcBef>
+              <a:buFont typeface="Arial" panose="020B0604020202020204" pitchFamily="34" charset="0"/>
+              <a:buChar char="•"/>
+              <a:defRPr sz="2800" kern="1200">
+                <a:solidFill>
+                  <a:schemeClr val="tx1"/>
+                </a:solidFill>
+                <a:latin typeface="+mn-lt"/>
+                <a:ea typeface="+mn-ea"/>
+                <a:cs typeface="+mn-cs"/>
+              </a:defRPr>
+            </a:lvl1pPr>
+            <a:lvl2pPr marL="685800" indent="-228600" algn="l" defTabSz="914400" rtl="0" eaLnBrk="1" latinLnBrk="0" hangingPunct="1">
+              <a:lnSpc>
+                <a:spcPct val="90000"/>
+              </a:lnSpc>
+              <a:spcBef>
+                <a:spcPts val="500"/>
+              </a:spcBef>
+              <a:buFont typeface="Arial" panose="020B0604020202020204" pitchFamily="34" charset="0"/>
+              <a:buChar char="•"/>
+              <a:defRPr sz="2400" kern="1200">
+                <a:solidFill>
+                  <a:schemeClr val="tx1"/>
+                </a:solidFill>
+                <a:latin typeface="+mn-lt"/>
+                <a:ea typeface="+mn-ea"/>
+                <a:cs typeface="+mn-cs"/>
+              </a:defRPr>
+            </a:lvl2pPr>
+            <a:lvl3pPr marL="1143000" indent="-228600" algn="l" defTabSz="914400" rtl="0" eaLnBrk="1" latinLnBrk="0" hangingPunct="1">
+              <a:lnSpc>
+                <a:spcPct val="90000"/>
+              </a:lnSpc>
+              <a:spcBef>
+                <a:spcPts val="500"/>
+              </a:spcBef>
+              <a:buFont typeface="Arial" panose="020B0604020202020204" pitchFamily="34" charset="0"/>
+              <a:buChar char="•"/>
+              <a:defRPr sz="2000" kern="1200">
+                <a:solidFill>
+                  <a:schemeClr val="tx1"/>
+                </a:solidFill>
+                <a:latin typeface="+mn-lt"/>
+                <a:ea typeface="+mn-ea"/>
+                <a:cs typeface="+mn-cs"/>
+              </a:defRPr>
+            </a:lvl3pPr>
+            <a:lvl4pPr marL="1600200" indent="-228600" algn="l" defTabSz="914400" rtl="0" eaLnBrk="1" latinLnBrk="0" hangingPunct="1">
+              <a:lnSpc>
+                <a:spcPct val="90000"/>
+              </a:lnSpc>
+              <a:spcBef>
+                <a:spcPts val="500"/>
+              </a:spcBef>
+              <a:buFont typeface="Arial" panose="020B0604020202020204" pitchFamily="34" charset="0"/>
+              <a:buChar char="•"/>
+              <a:defRPr sz="1800" kern="1200">
+                <a:solidFill>
+                  <a:schemeClr val="tx1"/>
+                </a:solidFill>
+                <a:latin typeface="+mn-lt"/>
+                <a:ea typeface="+mn-ea"/>
+                <a:cs typeface="+mn-cs"/>
+              </a:defRPr>
+            </a:lvl4pPr>
+            <a:lvl5pPr marL="2057400" indent="-228600" algn="l" defTabSz="914400" rtl="0" eaLnBrk="1" latinLnBrk="0" hangingPunct="1">
+              <a:lnSpc>
+                <a:spcPct val="90000"/>
+              </a:lnSpc>
+              <a:spcBef>
+                <a:spcPts val="500"/>
+              </a:spcBef>
+              <a:buFont typeface="Arial" panose="020B0604020202020204" pitchFamily="34" charset="0"/>
+              <a:buChar char="•"/>
+              <a:defRPr sz="1800" kern="1200">
+                <a:solidFill>
+                  <a:schemeClr val="tx1"/>
+                </a:solidFill>
+                <a:latin typeface="+mn-lt"/>
+                <a:ea typeface="+mn-ea"/>
+                <a:cs typeface="+mn-cs"/>
+              </a:defRPr>
+            </a:lvl5pPr>
+            <a:lvl6pPr marL="2514600" indent="-228600" algn="l" defTabSz="914400" rtl="0" eaLnBrk="1" latinLnBrk="0" hangingPunct="1">
+              <a:lnSpc>
+                <a:spcPct val="90000"/>
+              </a:lnSpc>
+              <a:spcBef>
+                <a:spcPts val="500"/>
+              </a:spcBef>
+              <a:buFont typeface="Arial" panose="020B0604020202020204" pitchFamily="34" charset="0"/>
+              <a:buChar char="•"/>
+              <a:defRPr sz="1800" kern="1200">
+                <a:solidFill>
+                  <a:schemeClr val="tx1"/>
+                </a:solidFill>
+                <a:latin typeface="+mn-lt"/>
+                <a:ea typeface="+mn-ea"/>
+                <a:cs typeface="+mn-cs"/>
+              </a:defRPr>
+            </a:lvl6pPr>
+            <a:lvl7pPr marL="2971800" indent="-228600" algn="l" defTabSz="914400" rtl="0" eaLnBrk="1" latinLnBrk="0" hangingPunct="1">
+              <a:lnSpc>
+                <a:spcPct val="90000"/>
+              </a:lnSpc>
+              <a:spcBef>
+                <a:spcPts val="500"/>
+              </a:spcBef>
+              <a:buFont typeface="Arial" panose="020B0604020202020204" pitchFamily="34" charset="0"/>
+              <a:buChar char="•"/>
+              <a:defRPr sz="1800" kern="1200">
+                <a:solidFill>
+                  <a:schemeClr val="tx1"/>
+                </a:solidFill>
+                <a:latin typeface="+mn-lt"/>
+                <a:ea typeface="+mn-ea"/>
+                <a:cs typeface="+mn-cs"/>
+              </a:defRPr>
+            </a:lvl7pPr>
+            <a:lvl8pPr marL="3429000" indent="-228600" algn="l" defTabSz="914400" rtl="0" eaLnBrk="1" latinLnBrk="0" hangingPunct="1">
+              <a:lnSpc>
+                <a:spcPct val="90000"/>
+              </a:lnSpc>
+              <a:spcBef>
+                <a:spcPts val="500"/>
+              </a:spcBef>
+              <a:buFont typeface="Arial" panose="020B0604020202020204" pitchFamily="34" charset="0"/>
+              <a:buChar char="•"/>
+              <a:defRPr sz="1800" kern="1200">
+                <a:solidFill>
+                  <a:schemeClr val="tx1"/>
+                </a:solidFill>
+                <a:latin typeface="+mn-lt"/>
+                <a:ea typeface="+mn-ea"/>
+                <a:cs typeface="+mn-cs"/>
+              </a:defRPr>
+            </a:lvl8pPr>
+            <a:lvl9pPr marL="3886200" indent="-228600" algn="l" defTabSz="914400" rtl="0" eaLnBrk="1" latinLnBrk="0" hangingPunct="1">
+              <a:lnSpc>
+                <a:spcPct val="90000"/>
+              </a:lnSpc>
+              <a:spcBef>
+                <a:spcPts val="500"/>
+              </a:spcBef>
+              <a:buFont typeface="Arial" panose="020B0604020202020204" pitchFamily="34" charset="0"/>
+              <a:buChar char="•"/>
+              <a:defRPr sz="1800" kern="1200">
+                <a:solidFill>
+                  <a:schemeClr val="tx1"/>
+                </a:solidFill>
+                <a:latin typeface="+mn-lt"/>
+                <a:ea typeface="+mn-ea"/>
+                <a:cs typeface="+mn-cs"/>
+              </a:defRPr>
+            </a:lvl9pPr>
+          </a:lstStyle>
+          <a:p>
+            <a:endParaRPr lang="nl-BE"/>
+          </a:p>
+        </p:txBody>
+      </p:sp>
+      <p:sp>
+        <p:nvSpPr>
+          <p:cNvPr id="6" name="Text Placeholder 2">
+            <a:extLst>
+              <a:ext uri="{FF2B5EF4-FFF2-40B4-BE49-F238E27FC236}">
+                <a16:creationId xmlns:a16="http://schemas.microsoft.com/office/drawing/2014/main" id="{E9712E0A-F845-4FDC-9545-35166028D1F9}"/>
+              </a:ext>
+            </a:extLst>
+          </p:cNvPr>
+          <p:cNvSpPr txBox="1">
+            <a:spLocks/>
+          </p:cNvSpPr>
+          <p:nvPr/>
+        </p:nvSpPr>
+        <p:spPr>
+          <a:xfrm>
+            <a:off x="312506" y="1680415"/>
+            <a:ext cx="10849099" cy="900226"/>
+          </a:xfrm>
+          <a:prstGeom prst="rect">
+            <a:avLst/>
+          </a:prstGeom>
+        </p:spPr>
+        <p:txBody>
+          <a:bodyPr>
+            <a:normAutofit/>
+          </a:bodyPr>
+          <a:lstStyle>
+            <a:lvl1pPr marL="228600" indent="-228600" algn="l" defTabSz="914400" rtl="0" eaLnBrk="1" latinLnBrk="0" hangingPunct="1">
+              <a:lnSpc>
+                <a:spcPct val="90000"/>
+              </a:lnSpc>
+              <a:spcBef>
+                <a:spcPts val="1000"/>
+              </a:spcBef>
+              <a:buFont typeface="Arial" panose="020B0604020202020204" pitchFamily="34" charset="0"/>
+              <a:buChar char="•"/>
+              <a:defRPr sz="2800" kern="1200">
+                <a:solidFill>
+                  <a:schemeClr val="tx1"/>
+                </a:solidFill>
+                <a:latin typeface="+mn-lt"/>
+                <a:ea typeface="+mn-ea"/>
+                <a:cs typeface="+mn-cs"/>
+              </a:defRPr>
+            </a:lvl1pPr>
+            <a:lvl2pPr marL="685800" indent="-228600" algn="l" defTabSz="914400" rtl="0" eaLnBrk="1" latinLnBrk="0" hangingPunct="1">
+              <a:lnSpc>
+                <a:spcPct val="90000"/>
+              </a:lnSpc>
+              <a:spcBef>
+                <a:spcPts val="500"/>
+              </a:spcBef>
+              <a:buFont typeface="Arial" panose="020B0604020202020204" pitchFamily="34" charset="0"/>
+              <a:buChar char="•"/>
+              <a:defRPr sz="2400" kern="1200">
+                <a:solidFill>
+                  <a:schemeClr val="tx1"/>
+                </a:solidFill>
+                <a:latin typeface="+mn-lt"/>
+                <a:ea typeface="+mn-ea"/>
+                <a:cs typeface="+mn-cs"/>
+              </a:defRPr>
+            </a:lvl2pPr>
+            <a:lvl3pPr marL="1143000" indent="-228600" algn="l" defTabSz="914400" rtl="0" eaLnBrk="1" latinLnBrk="0" hangingPunct="1">
+              <a:lnSpc>
+                <a:spcPct val="90000"/>
+              </a:lnSpc>
+              <a:spcBef>
+                <a:spcPts val="500"/>
+              </a:spcBef>
+              <a:buFont typeface="Arial" panose="020B0604020202020204" pitchFamily="34" charset="0"/>
+              <a:buChar char="•"/>
+              <a:defRPr sz="2000" kern="1200">
+                <a:solidFill>
+                  <a:schemeClr val="tx1"/>
+                </a:solidFill>
+                <a:latin typeface="+mn-lt"/>
+                <a:ea typeface="+mn-ea"/>
+                <a:cs typeface="+mn-cs"/>
+              </a:defRPr>
+            </a:lvl3pPr>
+            <a:lvl4pPr marL="1600200" indent="-228600" algn="l" defTabSz="914400" rtl="0" eaLnBrk="1" latinLnBrk="0" hangingPunct="1">
+              <a:lnSpc>
+                <a:spcPct val="90000"/>
+              </a:lnSpc>
+              <a:spcBef>
+                <a:spcPts val="500"/>
+              </a:spcBef>
+              <a:buFont typeface="Arial" panose="020B0604020202020204" pitchFamily="34" charset="0"/>
+              <a:buChar char="•"/>
+              <a:defRPr sz="1800" kern="1200">
+                <a:solidFill>
+                  <a:schemeClr val="tx1"/>
+                </a:solidFill>
+                <a:latin typeface="+mn-lt"/>
+                <a:ea typeface="+mn-ea"/>
+                <a:cs typeface="+mn-cs"/>
+              </a:defRPr>
+            </a:lvl4pPr>
+            <a:lvl5pPr marL="2057400" indent="-228600" algn="l" defTabSz="914400" rtl="0" eaLnBrk="1" latinLnBrk="0" hangingPunct="1">
+              <a:lnSpc>
+                <a:spcPct val="90000"/>
+              </a:lnSpc>
+              <a:spcBef>
+                <a:spcPts val="500"/>
+              </a:spcBef>
+              <a:buFont typeface="Arial" panose="020B0604020202020204" pitchFamily="34" charset="0"/>
+              <a:buChar char="•"/>
+              <a:defRPr sz="1800" kern="1200">
+                <a:solidFill>
+                  <a:schemeClr val="tx1"/>
+                </a:solidFill>
+                <a:latin typeface="+mn-lt"/>
+                <a:ea typeface="+mn-ea"/>
+                <a:cs typeface="+mn-cs"/>
+              </a:defRPr>
+            </a:lvl5pPr>
+            <a:lvl6pPr marL="2514600" indent="-228600" algn="l" defTabSz="914400" rtl="0" eaLnBrk="1" latinLnBrk="0" hangingPunct="1">
+              <a:lnSpc>
+                <a:spcPct val="90000"/>
+              </a:lnSpc>
+              <a:spcBef>
+                <a:spcPts val="500"/>
+              </a:spcBef>
+              <a:buFont typeface="Arial" panose="020B0604020202020204" pitchFamily="34" charset="0"/>
+              <a:buChar char="•"/>
+              <a:defRPr sz="1800" kern="1200">
+                <a:solidFill>
+                  <a:schemeClr val="tx1"/>
+                </a:solidFill>
+                <a:latin typeface="+mn-lt"/>
+                <a:ea typeface="+mn-ea"/>
+                <a:cs typeface="+mn-cs"/>
+              </a:defRPr>
+            </a:lvl6pPr>
+            <a:lvl7pPr marL="2971800" indent="-228600" algn="l" defTabSz="914400" rtl="0" eaLnBrk="1" latinLnBrk="0" hangingPunct="1">
+              <a:lnSpc>
+                <a:spcPct val="90000"/>
+              </a:lnSpc>
+              <a:spcBef>
+                <a:spcPts val="500"/>
+              </a:spcBef>
+              <a:buFont typeface="Arial" panose="020B0604020202020204" pitchFamily="34" charset="0"/>
+              <a:buChar char="•"/>
+              <a:defRPr sz="1800" kern="1200">
+                <a:solidFill>
+                  <a:schemeClr val="tx1"/>
+                </a:solidFill>
+                <a:latin typeface="+mn-lt"/>
+                <a:ea typeface="+mn-ea"/>
+                <a:cs typeface="+mn-cs"/>
+              </a:defRPr>
+            </a:lvl7pPr>
+            <a:lvl8pPr marL="3429000" indent="-228600" algn="l" defTabSz="914400" rtl="0" eaLnBrk="1" latinLnBrk="0" hangingPunct="1">
+              <a:lnSpc>
+                <a:spcPct val="90000"/>
+              </a:lnSpc>
+              <a:spcBef>
+                <a:spcPts val="500"/>
+              </a:spcBef>
+              <a:buFont typeface="Arial" panose="020B0604020202020204" pitchFamily="34" charset="0"/>
+              <a:buChar char="•"/>
+              <a:defRPr sz="1800" kern="1200">
+                <a:solidFill>
+                  <a:schemeClr val="tx1"/>
+                </a:solidFill>
+                <a:latin typeface="+mn-lt"/>
+                <a:ea typeface="+mn-ea"/>
+                <a:cs typeface="+mn-cs"/>
+              </a:defRPr>
+            </a:lvl8pPr>
+            <a:lvl9pPr marL="3886200" indent="-228600" algn="l" defTabSz="914400" rtl="0" eaLnBrk="1" latinLnBrk="0" hangingPunct="1">
+              <a:lnSpc>
+                <a:spcPct val="90000"/>
+              </a:lnSpc>
+              <a:spcBef>
+                <a:spcPts val="500"/>
+              </a:spcBef>
+              <a:buFont typeface="Arial" panose="020B0604020202020204" pitchFamily="34" charset="0"/>
+              <a:buChar char="•"/>
+              <a:defRPr sz="1800" kern="1200">
+                <a:solidFill>
+                  <a:schemeClr val="tx1"/>
+                </a:solidFill>
+                <a:latin typeface="+mn-lt"/>
+                <a:ea typeface="+mn-ea"/>
+                <a:cs typeface="+mn-cs"/>
+              </a:defRPr>
+            </a:lvl9pPr>
+          </a:lstStyle>
+          <a:p>
+            <a:pPr marL="457200" lvl="1" indent="0">
+              <a:buNone/>
+            </a:pPr>
+            <a:r>
+              <a:rPr lang="en-US" dirty="0"/>
+              <a:t>The </a:t>
+            </a:r>
+            <a:r>
+              <a:rPr lang="en-US" b="1" i="1" dirty="0"/>
+              <a:t>`map()`</a:t>
+            </a:r>
+            <a:r>
+              <a:rPr lang="en-US" dirty="0"/>
+              <a:t> function applies a given function to each item of an </a:t>
+            </a:r>
+            <a:r>
+              <a:rPr lang="en-US" dirty="0" err="1"/>
+              <a:t>iterable</a:t>
+            </a:r>
+            <a:r>
+              <a:rPr lang="en-US" dirty="0"/>
+              <a:t> (e.g. list, tuple, set, etc.) and returns an iterator of the results.</a:t>
+            </a:r>
+          </a:p>
+          <a:p>
+            <a:pPr marL="457200" lvl="1" indent="0">
+              <a:buNone/>
+            </a:pPr>
+            <a:endParaRPr lang="en-US" dirty="0"/>
+          </a:p>
+          <a:p>
+            <a:pPr marL="457200" lvl="1" indent="0">
+              <a:buNone/>
+            </a:pPr>
+            <a:endParaRPr lang="en-US" dirty="0"/>
+          </a:p>
+          <a:p>
+            <a:pPr marL="457200" lvl="1" indent="0">
+              <a:buNone/>
+            </a:pPr>
+            <a:endParaRPr lang="en-US" dirty="0"/>
+          </a:p>
+          <a:p>
+            <a:pPr marL="457200" lvl="1" indent="0">
+              <a:buNone/>
+            </a:pPr>
+            <a:endParaRPr lang="en-US" dirty="0"/>
+          </a:p>
+          <a:p>
+            <a:pPr marL="457200" lvl="1" indent="0">
+              <a:buNone/>
+            </a:pPr>
+            <a:endParaRPr lang="en-US" dirty="0"/>
+          </a:p>
+        </p:txBody>
+      </p:sp>
+      <p:sp>
+        <p:nvSpPr>
+          <p:cNvPr id="5" name="Text Placeholder 2">
+            <a:extLst>
+              <a:ext uri="{FF2B5EF4-FFF2-40B4-BE49-F238E27FC236}">
+                <a16:creationId xmlns:a16="http://schemas.microsoft.com/office/drawing/2014/main" id="{CBED41EA-B0B4-4DD3-BA42-F91435E64DE4}"/>
+              </a:ext>
+            </a:extLst>
+          </p:cNvPr>
+          <p:cNvSpPr txBox="1">
+            <a:spLocks/>
+          </p:cNvSpPr>
+          <p:nvPr/>
+        </p:nvSpPr>
+        <p:spPr>
+          <a:xfrm>
+            <a:off x="838200" y="2649504"/>
+            <a:ext cx="9081555" cy="3609055"/>
+          </a:xfrm>
+          <a:prstGeom prst="rect">
+            <a:avLst/>
+          </a:prstGeom>
+          <a:ln w="12700">
+            <a:solidFill>
+              <a:schemeClr val="tx1"/>
+            </a:solidFill>
+            <a:miter lim="400000"/>
+          </a:ln>
+          <a:extLst>
+            <a:ext uri="{C572A759-6A51-4108-AA02-DFA0A04FC94B}">
+              <ma14:wrappingTextBoxFlag xmlns="" xmlns:ma14="http://schemas.microsoft.com/office/mac/drawingml/2011/main" val="1"/>
+            </a:ext>
+          </a:extLst>
+        </p:spPr>
+        <p:txBody>
+          <a:bodyPr lIns="45719" rIns="45719">
+            <a:normAutofit lnSpcReduction="10000"/>
+          </a:bodyPr>
+          <a:lstStyle>
+            <a:lvl1pPr marL="352425" marR="0" indent="-352425" algn="l" defTabSz="914400" rtl="0" latinLnBrk="0">
+              <a:lnSpc>
+                <a:spcPct val="90000"/>
+              </a:lnSpc>
+              <a:spcBef>
+                <a:spcPts val="1000"/>
+              </a:spcBef>
+              <a:spcAft>
+                <a:spcPts val="0"/>
+              </a:spcAft>
+              <a:buClr>
+                <a:srgbClr val="E00049"/>
+              </a:buClr>
+              <a:buSzPct val="100000"/>
+              <a:buFont typeface="Arial"/>
+              <a:buChar char="•"/>
+              <a:tabLst/>
+              <a:defRPr sz="2800" b="0" i="0" u="none" strike="noStrike" cap="none" spc="0" baseline="0">
+                <a:ln>
+                  <a:noFill/>
+                </a:ln>
+                <a:solidFill>
+                  <a:srgbClr val="002757"/>
+                </a:solidFill>
+                <a:uFillTx/>
+                <a:latin typeface="Tahoma"/>
+                <a:ea typeface="Tahoma"/>
+                <a:cs typeface="Tahoma"/>
+                <a:sym typeface="Tahoma"/>
+              </a:defRPr>
+            </a:lvl1pPr>
+            <a:lvl2pPr marL="857250" marR="0" indent="-400050" algn="l" defTabSz="914400" rtl="0" latinLnBrk="0">
+              <a:lnSpc>
+                <a:spcPct val="90000"/>
+              </a:lnSpc>
+              <a:spcBef>
+                <a:spcPts val="1000"/>
+              </a:spcBef>
+              <a:spcAft>
+                <a:spcPts val="0"/>
+              </a:spcAft>
+              <a:buClr>
+                <a:srgbClr val="E00049"/>
+              </a:buClr>
+              <a:buSzPct val="100000"/>
+              <a:buFont typeface="Arial"/>
+              <a:buChar char="▪"/>
+              <a:tabLst/>
+              <a:defRPr sz="2800" b="0" i="0" u="none" strike="noStrike" cap="none" spc="0" baseline="0">
+                <a:ln>
+                  <a:noFill/>
+                </a:ln>
+                <a:solidFill>
+                  <a:srgbClr val="002757"/>
+                </a:solidFill>
+                <a:uFillTx/>
+                <a:latin typeface="Tahoma"/>
+                <a:ea typeface="Tahoma"/>
+                <a:cs typeface="Tahoma"/>
+                <a:sym typeface="Tahoma"/>
+              </a:defRPr>
+            </a:lvl2pPr>
+            <a:lvl3pPr marL="1234439" marR="0" indent="-320039" algn="l" defTabSz="914400" rtl="0" latinLnBrk="0">
+              <a:lnSpc>
+                <a:spcPct val="90000"/>
+              </a:lnSpc>
+              <a:spcBef>
+                <a:spcPts val="1000"/>
+              </a:spcBef>
+              <a:spcAft>
+                <a:spcPts val="0"/>
+              </a:spcAft>
+              <a:buClr>
+                <a:srgbClr val="E00049"/>
+              </a:buClr>
+              <a:buSzPct val="100000"/>
+              <a:buFont typeface="Arial"/>
+              <a:buChar char="•"/>
+              <a:tabLst/>
+              <a:defRPr sz="2800" b="0" i="0" u="none" strike="noStrike" cap="none" spc="0" baseline="0">
+                <a:ln>
+                  <a:noFill/>
+                </a:ln>
+                <a:solidFill>
+                  <a:srgbClr val="002757"/>
+                </a:solidFill>
+                <a:uFillTx/>
+                <a:latin typeface="Tahoma"/>
+                <a:ea typeface="Tahoma"/>
+                <a:cs typeface="Tahoma"/>
+                <a:sym typeface="Tahoma"/>
+              </a:defRPr>
+            </a:lvl3pPr>
+            <a:lvl4pPr marL="1727200" marR="0" indent="-355600" algn="l" defTabSz="914400" rtl="0" latinLnBrk="0">
+              <a:lnSpc>
+                <a:spcPct val="90000"/>
+              </a:lnSpc>
+              <a:spcBef>
+                <a:spcPts val="1000"/>
+              </a:spcBef>
+              <a:spcAft>
+                <a:spcPts val="0"/>
+              </a:spcAft>
+              <a:buClr>
+                <a:srgbClr val="E00049"/>
+              </a:buClr>
+              <a:buSzPct val="100000"/>
+              <a:buFont typeface="Arial"/>
+              <a:buChar char="•"/>
+              <a:tabLst/>
+              <a:defRPr sz="2800" b="0" i="0" u="none" strike="noStrike" cap="none" spc="0" baseline="0">
+                <a:ln>
+                  <a:noFill/>
+                </a:ln>
+                <a:solidFill>
+                  <a:srgbClr val="002757"/>
+                </a:solidFill>
+                <a:uFillTx/>
+                <a:latin typeface="Tahoma"/>
+                <a:ea typeface="Tahoma"/>
+                <a:cs typeface="Tahoma"/>
+                <a:sym typeface="Tahoma"/>
+              </a:defRPr>
+            </a:lvl4pPr>
+            <a:lvl5pPr marL="2184400" marR="0" indent="-355600" algn="l" defTabSz="914400" rtl="0" latinLnBrk="0">
+              <a:lnSpc>
+                <a:spcPct val="90000"/>
+              </a:lnSpc>
+              <a:spcBef>
+                <a:spcPts val="1000"/>
+              </a:spcBef>
+              <a:spcAft>
+                <a:spcPts val="0"/>
+              </a:spcAft>
+              <a:buClr>
+                <a:srgbClr val="E00049"/>
+              </a:buClr>
+              <a:buSzPct val="100000"/>
+              <a:buFont typeface="Arial"/>
+              <a:buChar char="•"/>
+              <a:tabLst/>
+              <a:defRPr sz="2800" b="0" i="0" u="none" strike="noStrike" cap="none" spc="0" baseline="0">
+                <a:ln>
+                  <a:noFill/>
+                </a:ln>
+                <a:solidFill>
+                  <a:srgbClr val="002757"/>
+                </a:solidFill>
+                <a:uFillTx/>
+                <a:latin typeface="Tahoma"/>
+                <a:ea typeface="Tahoma"/>
+                <a:cs typeface="Tahoma"/>
+                <a:sym typeface="Tahoma"/>
+              </a:defRPr>
+            </a:lvl5pPr>
+            <a:lvl6pPr marL="2641600" marR="0" indent="-355600" algn="l" defTabSz="914400" rtl="0" latinLnBrk="0">
+              <a:lnSpc>
+                <a:spcPct val="90000"/>
+              </a:lnSpc>
+              <a:spcBef>
+                <a:spcPts val="1000"/>
+              </a:spcBef>
+              <a:spcAft>
+                <a:spcPts val="0"/>
+              </a:spcAft>
+              <a:buClrTx/>
+              <a:buSzPct val="100000"/>
+              <a:buFont typeface="Arial"/>
+              <a:buChar char="•"/>
+              <a:tabLst/>
+              <a:defRPr sz="2800" b="0" i="0" u="none" strike="noStrike" cap="none" spc="0" baseline="0">
+                <a:ln>
+                  <a:noFill/>
+                </a:ln>
+                <a:solidFill>
+                  <a:srgbClr val="000000"/>
+                </a:solidFill>
+                <a:uFillTx/>
+                <a:latin typeface="Tahoma"/>
+                <a:ea typeface="Tahoma"/>
+                <a:cs typeface="Tahoma"/>
+                <a:sym typeface="Tahoma"/>
+              </a:defRPr>
+            </a:lvl6pPr>
+            <a:lvl7pPr marL="3098800" marR="0" indent="-355600" algn="l" defTabSz="914400" rtl="0" latinLnBrk="0">
+              <a:lnSpc>
+                <a:spcPct val="90000"/>
+              </a:lnSpc>
+              <a:spcBef>
+                <a:spcPts val="1000"/>
+              </a:spcBef>
+              <a:spcAft>
+                <a:spcPts val="0"/>
+              </a:spcAft>
+              <a:buClrTx/>
+              <a:buSzPct val="100000"/>
+              <a:buFont typeface="Arial"/>
+              <a:buChar char="•"/>
+              <a:tabLst/>
+              <a:defRPr sz="2800" b="0" i="0" u="none" strike="noStrike" cap="none" spc="0" baseline="0">
+                <a:ln>
+                  <a:noFill/>
+                </a:ln>
+                <a:solidFill>
+                  <a:srgbClr val="000000"/>
+                </a:solidFill>
+                <a:uFillTx/>
+                <a:latin typeface="Tahoma"/>
+                <a:ea typeface="Tahoma"/>
+                <a:cs typeface="Tahoma"/>
+                <a:sym typeface="Tahoma"/>
+              </a:defRPr>
+            </a:lvl7pPr>
+            <a:lvl8pPr marL="3556000" marR="0" indent="-355600" algn="l" defTabSz="914400" rtl="0" latinLnBrk="0">
+              <a:lnSpc>
+                <a:spcPct val="90000"/>
+              </a:lnSpc>
+              <a:spcBef>
+                <a:spcPts val="1000"/>
+              </a:spcBef>
+              <a:spcAft>
+                <a:spcPts val="0"/>
+              </a:spcAft>
+              <a:buClrTx/>
+              <a:buSzPct val="100000"/>
+              <a:buFont typeface="Arial"/>
+              <a:buChar char="•"/>
+              <a:tabLst/>
+              <a:defRPr sz="2800" b="0" i="0" u="none" strike="noStrike" cap="none" spc="0" baseline="0">
+                <a:ln>
+                  <a:noFill/>
+                </a:ln>
+                <a:solidFill>
+                  <a:srgbClr val="000000"/>
+                </a:solidFill>
+                <a:uFillTx/>
+                <a:latin typeface="Tahoma"/>
+                <a:ea typeface="Tahoma"/>
+                <a:cs typeface="Tahoma"/>
+                <a:sym typeface="Tahoma"/>
+              </a:defRPr>
+            </a:lvl8pPr>
+            <a:lvl9pPr marL="4013200" marR="0" indent="-355600" algn="l" defTabSz="914400" rtl="0" latinLnBrk="0">
+              <a:lnSpc>
+                <a:spcPct val="90000"/>
+              </a:lnSpc>
+              <a:spcBef>
+                <a:spcPts val="1000"/>
+              </a:spcBef>
+              <a:spcAft>
+                <a:spcPts val="0"/>
+              </a:spcAft>
+              <a:buClrTx/>
+              <a:buSzPct val="100000"/>
+              <a:buFont typeface="Arial"/>
+              <a:buChar char="•"/>
+              <a:tabLst/>
+              <a:defRPr sz="2800" b="0" i="0" u="none" strike="noStrike" cap="none" spc="0" baseline="0">
+                <a:ln>
+                  <a:noFill/>
+                </a:ln>
+                <a:solidFill>
+                  <a:srgbClr val="000000"/>
+                </a:solidFill>
+                <a:uFillTx/>
+                <a:latin typeface="Tahoma"/>
+                <a:ea typeface="Tahoma"/>
+                <a:cs typeface="Tahoma"/>
+                <a:sym typeface="Tahoma"/>
+              </a:defRPr>
+            </a:lvl9pPr>
+          </a:lstStyle>
+          <a:p>
+            <a:pPr marL="0" indent="0" hangingPunct="1">
+              <a:buNone/>
+            </a:pPr>
+            <a:r>
+              <a:rPr lang="en-US" sz="1500" dirty="0">
+                <a:solidFill>
+                  <a:schemeClr val="accent1"/>
+                </a:solidFill>
+                <a:latin typeface="Consolas" panose="020B0609020204030204" pitchFamily="49" charset="0"/>
+              </a:rPr>
+              <a:t>def</a:t>
+            </a:r>
+            <a:r>
+              <a:rPr lang="en-US" sz="1500" dirty="0">
+                <a:solidFill>
+                  <a:schemeClr val="tx1"/>
+                </a:solidFill>
+                <a:latin typeface="Consolas" panose="020B0609020204030204" pitchFamily="49" charset="0"/>
+              </a:rPr>
+              <a:t> double(x):</a:t>
+            </a:r>
+          </a:p>
+          <a:p>
+            <a:pPr marL="0" indent="0" hangingPunct="1">
+              <a:buNone/>
+            </a:pPr>
+            <a:r>
+              <a:rPr lang="en-US" sz="1500" dirty="0">
+                <a:solidFill>
+                  <a:schemeClr val="tx1"/>
+                </a:solidFill>
+                <a:latin typeface="Consolas" panose="020B0609020204030204" pitchFamily="49" charset="0"/>
+              </a:rPr>
+              <a:t>    </a:t>
+            </a:r>
+            <a:r>
+              <a:rPr lang="en-US" sz="1500" dirty="0">
+                <a:solidFill>
+                  <a:srgbClr val="7030A0"/>
+                </a:solidFill>
+                <a:latin typeface="Consolas" panose="020B0609020204030204" pitchFamily="49" charset="0"/>
+              </a:rPr>
+              <a:t>return</a:t>
+            </a:r>
+            <a:r>
+              <a:rPr lang="en-US" sz="1500" dirty="0">
+                <a:solidFill>
+                  <a:schemeClr val="tx1"/>
+                </a:solidFill>
+                <a:latin typeface="Consolas" panose="020B0609020204030204" pitchFamily="49" charset="0"/>
+              </a:rPr>
+              <a:t> x*2</a:t>
+            </a:r>
+          </a:p>
+          <a:p>
+            <a:pPr marL="0" indent="0" hangingPunct="1">
+              <a:buNone/>
+            </a:pPr>
+            <a:endParaRPr lang="en-US" sz="1500" dirty="0">
+              <a:solidFill>
+                <a:schemeClr val="tx1"/>
+              </a:solidFill>
+              <a:latin typeface="Consolas" panose="020B0609020204030204" pitchFamily="49" charset="0"/>
+            </a:endParaRPr>
+          </a:p>
+          <a:p>
+            <a:pPr marL="0" indent="0" hangingPunct="1">
+              <a:buNone/>
+            </a:pPr>
+            <a:r>
+              <a:rPr lang="en-US" sz="1500" dirty="0">
+                <a:solidFill>
+                  <a:schemeClr val="accent6"/>
+                </a:solidFill>
+                <a:latin typeface="Consolas" panose="020B0609020204030204" pitchFamily="49" charset="0"/>
+              </a:rPr>
+              <a:t># list of numbers</a:t>
+            </a:r>
+          </a:p>
+          <a:p>
+            <a:pPr marL="0" indent="0" hangingPunct="1">
+              <a:buNone/>
+            </a:pPr>
+            <a:r>
+              <a:rPr lang="en-US" sz="1500" dirty="0">
+                <a:solidFill>
+                  <a:schemeClr val="tx1"/>
+                </a:solidFill>
+                <a:latin typeface="Consolas" panose="020B0609020204030204" pitchFamily="49" charset="0"/>
+              </a:rPr>
+              <a:t>numbers = [</a:t>
+            </a:r>
+            <a:r>
+              <a:rPr lang="en-US" sz="1500" dirty="0">
+                <a:solidFill>
+                  <a:schemeClr val="accent2"/>
+                </a:solidFill>
+                <a:latin typeface="Consolas" panose="020B0609020204030204" pitchFamily="49" charset="0"/>
+              </a:rPr>
+              <a:t>1</a:t>
+            </a:r>
+            <a:r>
+              <a:rPr lang="en-US" sz="1500" dirty="0">
+                <a:solidFill>
+                  <a:schemeClr val="tx1"/>
+                </a:solidFill>
+                <a:latin typeface="Consolas" panose="020B0609020204030204" pitchFamily="49" charset="0"/>
+              </a:rPr>
+              <a:t>, </a:t>
+            </a:r>
+            <a:r>
+              <a:rPr lang="en-US" sz="1500" dirty="0">
+                <a:solidFill>
+                  <a:schemeClr val="accent2"/>
+                </a:solidFill>
+                <a:latin typeface="Consolas" panose="020B0609020204030204" pitchFamily="49" charset="0"/>
+              </a:rPr>
+              <a:t>2</a:t>
+            </a:r>
+            <a:r>
+              <a:rPr lang="en-US" sz="1500" dirty="0">
+                <a:solidFill>
+                  <a:schemeClr val="tx1"/>
+                </a:solidFill>
+                <a:latin typeface="Consolas" panose="020B0609020204030204" pitchFamily="49" charset="0"/>
+              </a:rPr>
+              <a:t>, </a:t>
+            </a:r>
+            <a:r>
+              <a:rPr lang="en-US" sz="1500" dirty="0">
+                <a:solidFill>
+                  <a:schemeClr val="accent2"/>
+                </a:solidFill>
+                <a:latin typeface="Consolas" panose="020B0609020204030204" pitchFamily="49" charset="0"/>
+              </a:rPr>
+              <a:t>3</a:t>
+            </a:r>
+            <a:r>
+              <a:rPr lang="en-US" sz="1500" dirty="0">
+                <a:solidFill>
+                  <a:schemeClr val="tx1"/>
+                </a:solidFill>
+                <a:latin typeface="Consolas" panose="020B0609020204030204" pitchFamily="49" charset="0"/>
+              </a:rPr>
+              <a:t>, </a:t>
+            </a:r>
+            <a:r>
+              <a:rPr lang="en-US" sz="1500" dirty="0">
+                <a:solidFill>
+                  <a:schemeClr val="accent2"/>
+                </a:solidFill>
+                <a:latin typeface="Consolas" panose="020B0609020204030204" pitchFamily="49" charset="0"/>
+              </a:rPr>
+              <a:t>4</a:t>
+            </a:r>
+            <a:r>
+              <a:rPr lang="en-US" sz="1500" dirty="0">
+                <a:solidFill>
+                  <a:schemeClr val="tx1"/>
+                </a:solidFill>
+                <a:latin typeface="Consolas" panose="020B0609020204030204" pitchFamily="49" charset="0"/>
+              </a:rPr>
+              <a:t>]</a:t>
+            </a:r>
+          </a:p>
+          <a:p>
+            <a:pPr marL="0" indent="0" hangingPunct="1">
+              <a:buNone/>
+            </a:pPr>
+            <a:endParaRPr lang="en-US" sz="1500" dirty="0">
+              <a:solidFill>
+                <a:schemeClr val="tx1"/>
+              </a:solidFill>
+              <a:latin typeface="Consolas" panose="020B0609020204030204" pitchFamily="49" charset="0"/>
+            </a:endParaRPr>
+          </a:p>
+          <a:p>
+            <a:pPr marL="0" indent="0" hangingPunct="1">
+              <a:buNone/>
+            </a:pPr>
+            <a:r>
+              <a:rPr lang="en-US" sz="1500" dirty="0">
+                <a:solidFill>
+                  <a:schemeClr val="accent6"/>
+                </a:solidFill>
+                <a:latin typeface="Consolas" panose="020B0609020204030204" pitchFamily="49" charset="0"/>
+              </a:rPr>
+              <a:t>#</a:t>
+            </a:r>
+            <a:r>
+              <a:rPr lang="en-US" sz="1500" dirty="0">
+                <a:solidFill>
+                  <a:schemeClr val="tx1"/>
+                </a:solidFill>
+                <a:latin typeface="Consolas" panose="020B0609020204030204" pitchFamily="49" charset="0"/>
+              </a:rPr>
+              <a:t> </a:t>
+            </a:r>
+            <a:r>
+              <a:rPr lang="en-US" sz="1500" dirty="0">
+                <a:solidFill>
+                  <a:schemeClr val="accent6"/>
+                </a:solidFill>
+                <a:latin typeface="Consolas" panose="020B0609020204030204" pitchFamily="49" charset="0"/>
+              </a:rPr>
+              <a:t>use map to apply double function to each number in the list</a:t>
+            </a:r>
+          </a:p>
+          <a:p>
+            <a:pPr marL="0" indent="0" hangingPunct="1">
+              <a:buNone/>
+            </a:pPr>
+            <a:r>
+              <a:rPr lang="en-US" sz="1500" dirty="0" err="1">
+                <a:solidFill>
+                  <a:schemeClr val="tx1"/>
+                </a:solidFill>
+                <a:latin typeface="Consolas" panose="020B0609020204030204" pitchFamily="49" charset="0"/>
+              </a:rPr>
+              <a:t>doubled_numbers</a:t>
+            </a:r>
+            <a:r>
+              <a:rPr lang="en-US" sz="1500" dirty="0">
+                <a:solidFill>
+                  <a:schemeClr val="tx1"/>
+                </a:solidFill>
+                <a:latin typeface="Consolas" panose="020B0609020204030204" pitchFamily="49" charset="0"/>
+              </a:rPr>
+              <a:t> = </a:t>
+            </a:r>
+            <a:r>
+              <a:rPr lang="en-US" sz="1500" dirty="0">
+                <a:solidFill>
+                  <a:schemeClr val="accent2"/>
+                </a:solidFill>
+                <a:latin typeface="Consolas" panose="020B0609020204030204" pitchFamily="49" charset="0"/>
+              </a:rPr>
+              <a:t>map</a:t>
+            </a:r>
+            <a:r>
+              <a:rPr lang="en-US" sz="1500" dirty="0">
+                <a:solidFill>
+                  <a:schemeClr val="tx1"/>
+                </a:solidFill>
+                <a:latin typeface="Consolas" panose="020B0609020204030204" pitchFamily="49" charset="0"/>
+              </a:rPr>
+              <a:t>(double, numbers)</a:t>
+            </a:r>
+          </a:p>
+          <a:p>
+            <a:pPr marL="0" indent="0" hangingPunct="1">
+              <a:buNone/>
+            </a:pPr>
+            <a:endParaRPr lang="en-US" sz="1500" dirty="0">
+              <a:solidFill>
+                <a:schemeClr val="tx1"/>
+              </a:solidFill>
+              <a:latin typeface="Consolas" panose="020B0609020204030204" pitchFamily="49" charset="0"/>
+            </a:endParaRPr>
+          </a:p>
+          <a:p>
+            <a:pPr marL="0" indent="0" hangingPunct="1">
+              <a:buNone/>
+            </a:pPr>
+            <a:r>
+              <a:rPr lang="en-US" sz="1500" dirty="0">
+                <a:solidFill>
+                  <a:schemeClr val="accent6"/>
+                </a:solidFill>
+                <a:latin typeface="Consolas" panose="020B0609020204030204" pitchFamily="49" charset="0"/>
+              </a:rPr>
+              <a:t># the map object can be converted to a list or tuple</a:t>
+            </a:r>
+          </a:p>
+          <a:p>
+            <a:pPr marL="0" indent="0" hangingPunct="1">
+              <a:buNone/>
+            </a:pPr>
+            <a:r>
+              <a:rPr lang="en-US" sz="1500" dirty="0">
+                <a:solidFill>
+                  <a:schemeClr val="tx1"/>
+                </a:solidFill>
+                <a:latin typeface="Consolas" panose="020B0609020204030204" pitchFamily="49" charset="0"/>
+              </a:rPr>
+              <a:t>print(</a:t>
+            </a:r>
+            <a:r>
+              <a:rPr lang="en-US" sz="1500" dirty="0">
+                <a:solidFill>
+                  <a:schemeClr val="accent2"/>
+                </a:solidFill>
+                <a:latin typeface="Consolas" panose="020B0609020204030204" pitchFamily="49" charset="0"/>
+              </a:rPr>
+              <a:t>list</a:t>
+            </a:r>
+            <a:r>
+              <a:rPr lang="en-US" sz="1500" dirty="0">
+                <a:solidFill>
+                  <a:schemeClr val="tx1"/>
+                </a:solidFill>
+                <a:latin typeface="Consolas" panose="020B0609020204030204" pitchFamily="49" charset="0"/>
+              </a:rPr>
+              <a:t>(</a:t>
+            </a:r>
+            <a:r>
+              <a:rPr lang="en-US" sz="1500" dirty="0" err="1">
+                <a:solidFill>
+                  <a:schemeClr val="tx1"/>
+                </a:solidFill>
+                <a:latin typeface="Consolas" panose="020B0609020204030204" pitchFamily="49" charset="0"/>
+              </a:rPr>
+              <a:t>doubled_numbers</a:t>
+            </a:r>
+            <a:r>
+              <a:rPr lang="en-US" sz="1500" dirty="0">
+                <a:solidFill>
+                  <a:schemeClr val="tx1"/>
+                </a:solidFill>
+                <a:latin typeface="Consolas" panose="020B0609020204030204" pitchFamily="49" charset="0"/>
+              </a:rPr>
+              <a:t>)) </a:t>
+            </a:r>
+            <a:r>
+              <a:rPr lang="en-US" sz="1500" dirty="0">
+                <a:solidFill>
+                  <a:schemeClr val="accent6"/>
+                </a:solidFill>
+                <a:latin typeface="Consolas" panose="020B0609020204030204" pitchFamily="49" charset="0"/>
+              </a:rPr>
+              <a:t># Output: [2, 4, 6, 8]</a:t>
+            </a:r>
+          </a:p>
+        </p:txBody>
+      </p:sp>
+    </p:spTree>
+    <p:extLst>
+      <p:ext uri="{BB962C8B-B14F-4D97-AF65-F5344CB8AC3E}">
+        <p14:creationId xmlns:p14="http://schemas.microsoft.com/office/powerpoint/2010/main" val="980144959"/>
+      </p:ext>
+    </p:extLst>
+  </p:cSld>
+  <p:clrMapOvr>
+    <a:masterClrMapping/>
+  </p:clrMapOvr>
+</p:sld>
+</file>
+
+<file path=ppt/slides/slide19.xml><?xml version="1.0" encoding="utf-8"?>
 <p:sld xmlns:a="http://schemas.openxmlformats.org/drawingml/2006/main" xmlns:r="http://schemas.openxmlformats.org/officeDocument/2006/relationships" xmlns:p="http://schemas.openxmlformats.org/presentationml/2006/main">
   <p:cSld>
     <p:spTree>
@@ -21373,7 +22724,7 @@
           </a:ln>
           <a:extLst>
             <a:ext uri="{C572A759-6A51-4108-AA02-DFA0A04FC94B}">
-              <ma14:wrappingTextBoxFlag xmlns:ma14="http://schemas.microsoft.com/office/mac/drawingml/2011/main" xmlns="" val="1"/>
+              <ma14:wrappingTextBoxFlag xmlns="" xmlns:ma14="http://schemas.microsoft.com/office/mac/drawingml/2011/main" val="1"/>
             </a:ext>
           </a:extLst>
         </p:spPr>
@@ -22268,7 +23619,7 @@
           </a:ln>
           <a:extLst>
             <a:ext uri="{C572A759-6A51-4108-AA02-DFA0A04FC94B}">
-              <ma14:wrappingTextBoxFlag xmlns:ma14="http://schemas.microsoft.com/office/mac/drawingml/2011/main" xmlns="" val="1"/>
+              <ma14:wrappingTextBoxFlag xmlns="" xmlns:ma14="http://schemas.microsoft.com/office/mac/drawingml/2011/main" val="1"/>
             </a:ext>
           </a:extLst>
         </p:spPr>
@@ -23421,7 +24772,7 @@
           </a:ln>
           <a:extLst>
             <a:ext uri="{C572A759-6A51-4108-AA02-DFA0A04FC94B}">
-              <ma14:wrappingTextBoxFlag xmlns:ma14="http://schemas.microsoft.com/office/mac/drawingml/2011/main" xmlns="" val="1"/>
+              <ma14:wrappingTextBoxFlag xmlns="" xmlns:ma14="http://schemas.microsoft.com/office/mac/drawingml/2011/main" val="1"/>
             </a:ext>
           </a:extLst>
         </p:spPr>
@@ -24235,7 +25586,7 @@
           </a:ln>
           <a:extLst>
             <a:ext uri="{C572A759-6A51-4108-AA02-DFA0A04FC94B}">
-              <ma14:wrappingTextBoxFlag xmlns:ma14="http://schemas.microsoft.com/office/mac/drawingml/2011/main" xmlns="" val="1"/>
+              <ma14:wrappingTextBoxFlag xmlns="" xmlns:ma14="http://schemas.microsoft.com/office/mac/drawingml/2011/main" val="1"/>
             </a:ext>
           </a:extLst>
         </p:spPr>
@@ -24584,7 +25935,7 @@
           </a:ln>
           <a:extLst>
             <a:ext uri="{C572A759-6A51-4108-AA02-DFA0A04FC94B}">
-              <ma14:wrappingTextBoxFlag xmlns:ma14="http://schemas.microsoft.com/office/mac/drawingml/2011/main" xmlns="" val="1"/>
+              <ma14:wrappingTextBoxFlag xmlns="" xmlns:ma14="http://schemas.microsoft.com/office/mac/drawingml/2011/main" val="1"/>
             </a:ext>
           </a:extLst>
         </p:spPr>
@@ -25274,7 +26625,7 @@
           </a:ln>
           <a:extLst>
             <a:ext uri="{C572A759-6A51-4108-AA02-DFA0A04FC94B}">
-              <ma14:wrappingTextBoxFlag xmlns:ma14="http://schemas.microsoft.com/office/mac/drawingml/2011/main" xmlns="" val="1"/>
+              <ma14:wrappingTextBoxFlag xmlns="" xmlns:ma14="http://schemas.microsoft.com/office/mac/drawingml/2011/main" val="1"/>
             </a:ext>
           </a:extLst>
         </p:spPr>
@@ -27234,15 +28585,6 @@
 </file>
 
 <file path=customXml/item1.xml><?xml version="1.0" encoding="utf-8"?>
-<?mso-contentType ?>
-<FormTemplates xmlns="http://schemas.microsoft.com/sharepoint/v3/contenttype/forms">
-  <Display>DocumentLibraryForm</Display>
-  <Edit>DocumentLibraryForm</Edit>
-  <New>DocumentLibraryForm</New>
-</FormTemplates>
-</file>
-
-<file path=customXml/item2.xml><?xml version="1.0" encoding="utf-8"?>
 <ct:contentTypeSchema xmlns:ct="http://schemas.microsoft.com/office/2006/metadata/contentType" xmlns:ma="http://schemas.microsoft.com/office/2006/metadata/properties/metaAttributes" ct:_="" ma:_="" ma:contentTypeName="Document" ma:contentTypeID="0x010100F1325F46957A7D4694A8ACC888AA2621" ma:contentTypeVersion="7" ma:contentTypeDescription="Een nieuw document maken." ma:contentTypeScope="" ma:versionID="14c5700b56297cf9c66eff42b9f64bd4">
   <xsd:schema xmlns:xsd="http://www.w3.org/2001/XMLSchema" xmlns:xs="http://www.w3.org/2001/XMLSchema" xmlns:p="http://schemas.microsoft.com/office/2006/metadata/properties" xmlns:ns2="9b614674-bb2d-4c45-94ea-39f42762d3ae" targetNamespace="http://schemas.microsoft.com/office/2006/metadata/properties" ma:root="true" ma:fieldsID="4e421ba7028bb8b9c0acf45abfb7d816" ns2:_="">
     <xsd:import namespace="9b614674-bb2d-4c45-94ea-39f42762d3ae"/>
@@ -27402,6 +28744,15 @@
 </ct:contentTypeSchema>
 </file>
 
+<file path=customXml/item2.xml><?xml version="1.0" encoding="utf-8"?>
+<?mso-contentType ?>
+<FormTemplates xmlns="http://schemas.microsoft.com/sharepoint/v3/contenttype/forms">
+  <Display>DocumentLibraryForm</Display>
+  <Edit>DocumentLibraryForm</Edit>
+  <New>DocumentLibraryForm</New>
+</FormTemplates>
+</file>
+
 <file path=customXml/item3.xml><?xml version="1.0" encoding="utf-8"?>
 <p:properties xmlns:p="http://schemas.microsoft.com/office/2006/metadata/properties" xmlns:xsi="http://www.w3.org/2001/XMLSchema-instance" xmlns:pc="http://schemas.microsoft.com/office/infopath/2007/PartnerControls">
   <documentManagement>
@@ -27413,14 +28764,6 @@
 </file>
 
 <file path=customXml/itemProps1.xml><?xml version="1.0" encoding="utf-8"?>
-<ds:datastoreItem xmlns:ds="http://schemas.openxmlformats.org/officeDocument/2006/customXml" ds:itemID="{126BFA21-774C-45F5-BE3E-541B29302740}">
-  <ds:schemaRefs>
-    <ds:schemaRef ds:uri="http://schemas.microsoft.com/sharepoint/v3/contenttype/forms"/>
-  </ds:schemaRefs>
-</ds:datastoreItem>
-</file>
-
-<file path=customXml/itemProps2.xml><?xml version="1.0" encoding="utf-8"?>
 <ds:datastoreItem xmlns:ds="http://schemas.openxmlformats.org/officeDocument/2006/customXml" ds:itemID="{91A37897-CF46-4B8E-B11C-A11B11EC42BB}">
   <ds:schemaRefs>
     <ds:schemaRef ds:uri="http://schemas.microsoft.com/office/2006/metadata/contentType"/>
@@ -27438,6 +28781,14 @@
 </ds:datastoreItem>
 </file>
 
+<file path=customXml/itemProps2.xml><?xml version="1.0" encoding="utf-8"?>
+<ds:datastoreItem xmlns:ds="http://schemas.openxmlformats.org/officeDocument/2006/customXml" ds:itemID="{126BFA21-774C-45F5-BE3E-541B29302740}">
+  <ds:schemaRefs>
+    <ds:schemaRef ds:uri="http://schemas.microsoft.com/sharepoint/v3/contenttype/forms"/>
+  </ds:schemaRefs>
+</ds:datastoreItem>
+</file>
+
 <file path=customXml/itemProps3.xml><?xml version="1.0" encoding="utf-8"?>
 <ds:datastoreItem xmlns:ds="http://schemas.openxmlformats.org/officeDocument/2006/customXml" ds:itemID="{4B4D6183-A0C2-41B9-BD62-0CD29AC5B1EF}">
   <ds:schemaRefs>
